--- a/slides/Containers in Azure - Global Azure 2022.pptx
+++ b/slides/Containers in Azure - Global Azure 2022.pptx
@@ -114,8 +114,301 @@
 </p:presentation>
 </file>
 
+<file path=ppt/revisionInfo.xml><?xml version="1.0" encoding="utf-8"?>
+<p1510:revInfo xmlns:a="http://schemas.openxmlformats.org/drawingml/2006/main" xmlns:r="http://schemas.openxmlformats.org/officeDocument/2006/relationships" xmlns:p1510="http://schemas.microsoft.com/office/powerpoint/2015/10/main">
+  <p1510:revLst>
+    <p1510:client id="{B1A1B8A0-DE3F-4A71-9E6F-35017763F461}" v="1" dt="2022-05-02T08:03:50.571"/>
+  </p1510:revLst>
+</p1510:revInfo>
+</file>
+
 <file path=ppt/changesInfos/changesInfo1.xml><?xml version="1.0" encoding="utf-8"?>
 <pc:chgInfo xmlns:a="http://schemas.openxmlformats.org/drawingml/2006/main" xmlns:r="http://schemas.openxmlformats.org/officeDocument/2006/relationships" xmlns:ac="http://schemas.microsoft.com/office/drawing/2013/main/command" xmlns:pc="http://schemas.microsoft.com/office/powerpoint/2013/main/command">
+  <pc:docChgLst>
+    <pc:chgData name="Wriju Ghosh" userId="93330360-ec5c-4afd-b5e4-d283febfe7a2" providerId="ADAL" clId="{B1A1B8A0-DE3F-4A71-9E6F-35017763F461}"/>
+    <pc:docChg chg="undo custSel addSld delSld modSld">
+      <pc:chgData name="Wriju Ghosh" userId="93330360-ec5c-4afd-b5e4-d283febfe7a2" providerId="ADAL" clId="{B1A1B8A0-DE3F-4A71-9E6F-35017763F461}" dt="2022-05-02T09:23:44.013" v="111" actId="26606"/>
+      <pc:docMkLst>
+        <pc:docMk/>
+      </pc:docMkLst>
+      <pc:sldChg chg="addSp delSp modSp mod">
+        <pc:chgData name="Wriju Ghosh" userId="93330360-ec5c-4afd-b5e4-d283febfe7a2" providerId="ADAL" clId="{B1A1B8A0-DE3F-4A71-9E6F-35017763F461}" dt="2022-05-02T08:05:15.480" v="88" actId="1076"/>
+        <pc:sldMkLst>
+          <pc:docMk/>
+          <pc:sldMk cId="3719759747" sldId="256"/>
+        </pc:sldMkLst>
+        <pc:spChg chg="mod">
+          <ac:chgData name="Wriju Ghosh" userId="93330360-ec5c-4afd-b5e4-d283febfe7a2" providerId="ADAL" clId="{B1A1B8A0-DE3F-4A71-9E6F-35017763F461}" dt="2022-05-02T08:04:27.832" v="86" actId="26606"/>
+          <ac:spMkLst>
+            <pc:docMk/>
+            <pc:sldMk cId="3719759747" sldId="256"/>
+            <ac:spMk id="2" creationId="{A88EE317-6755-918C-3D41-19E0075E1F4B}"/>
+          </ac:spMkLst>
+        </pc:spChg>
+        <pc:spChg chg="mod">
+          <ac:chgData name="Wriju Ghosh" userId="93330360-ec5c-4afd-b5e4-d283febfe7a2" providerId="ADAL" clId="{B1A1B8A0-DE3F-4A71-9E6F-35017763F461}" dt="2022-05-02T08:04:27.832" v="86" actId="26606"/>
+          <ac:spMkLst>
+            <pc:docMk/>
+            <pc:sldMk cId="3719759747" sldId="256"/>
+            <ac:spMk id="3" creationId="{AB957D0B-1D2C-E053-3E80-A1FC064E8F74}"/>
+          </ac:spMkLst>
+        </pc:spChg>
+        <pc:spChg chg="mod ord">
+          <ac:chgData name="Wriju Ghosh" userId="93330360-ec5c-4afd-b5e4-d283febfe7a2" providerId="ADAL" clId="{B1A1B8A0-DE3F-4A71-9E6F-35017763F461}" dt="2022-05-02T08:05:15.480" v="88" actId="1076"/>
+          <ac:spMkLst>
+            <pc:docMk/>
+            <pc:sldMk cId="3719759747" sldId="256"/>
+            <ac:spMk id="5" creationId="{69DF5930-627A-8499-F65C-763075D7A63A}"/>
+          </ac:spMkLst>
+        </pc:spChg>
+        <pc:spChg chg="del">
+          <ac:chgData name="Wriju Ghosh" userId="93330360-ec5c-4afd-b5e4-d283febfe7a2" providerId="ADAL" clId="{B1A1B8A0-DE3F-4A71-9E6F-35017763F461}" dt="2022-05-02T08:04:27.832" v="86" actId="26606"/>
+          <ac:spMkLst>
+            <pc:docMk/>
+            <pc:sldMk cId="3719759747" sldId="256"/>
+            <ac:spMk id="10" creationId="{8CA06CD6-90CA-4C45-856C-6771339E1E22}"/>
+          </ac:spMkLst>
+        </pc:spChg>
+        <pc:spChg chg="add">
+          <ac:chgData name="Wriju Ghosh" userId="93330360-ec5c-4afd-b5e4-d283febfe7a2" providerId="ADAL" clId="{B1A1B8A0-DE3F-4A71-9E6F-35017763F461}" dt="2022-05-02T08:04:27.832" v="86" actId="26606"/>
+          <ac:spMkLst>
+            <pc:docMk/>
+            <pc:sldMk cId="3719759747" sldId="256"/>
+            <ac:spMk id="17" creationId="{362D44EE-C852-4460-B8B5-C4F2BC20510C}"/>
+          </ac:spMkLst>
+        </pc:spChg>
+        <pc:spChg chg="add">
+          <ac:chgData name="Wriju Ghosh" userId="93330360-ec5c-4afd-b5e4-d283febfe7a2" providerId="ADAL" clId="{B1A1B8A0-DE3F-4A71-9E6F-35017763F461}" dt="2022-05-02T08:04:27.832" v="86" actId="26606"/>
+          <ac:spMkLst>
+            <pc:docMk/>
+            <pc:sldMk cId="3719759747" sldId="256"/>
+            <ac:spMk id="19" creationId="{658970D8-8D1D-4B5C-894B-E871CC86543D}"/>
+          </ac:spMkLst>
+        </pc:spChg>
+        <pc:spChg chg="add">
+          <ac:chgData name="Wriju Ghosh" userId="93330360-ec5c-4afd-b5e4-d283febfe7a2" providerId="ADAL" clId="{B1A1B8A0-DE3F-4A71-9E6F-35017763F461}" dt="2022-05-02T08:04:27.832" v="86" actId="26606"/>
+          <ac:spMkLst>
+            <pc:docMk/>
+            <pc:sldMk cId="3719759747" sldId="256"/>
+            <ac:spMk id="21" creationId="{F227E5B6-9132-43CA-B503-37A18562ADF2}"/>
+          </ac:spMkLst>
+        </pc:spChg>
+        <pc:spChg chg="add">
+          <ac:chgData name="Wriju Ghosh" userId="93330360-ec5c-4afd-b5e4-d283febfe7a2" providerId="ADAL" clId="{B1A1B8A0-DE3F-4A71-9E6F-35017763F461}" dt="2022-05-02T08:04:27.832" v="86" actId="26606"/>
+          <ac:spMkLst>
+            <pc:docMk/>
+            <pc:sldMk cId="3719759747" sldId="256"/>
+            <ac:spMk id="23" creationId="{03C2051E-A88D-48E5-BACF-AAED17892722}"/>
+          </ac:spMkLst>
+        </pc:spChg>
+        <pc:spChg chg="add">
+          <ac:chgData name="Wriju Ghosh" userId="93330360-ec5c-4afd-b5e4-d283febfe7a2" providerId="ADAL" clId="{B1A1B8A0-DE3F-4A71-9E6F-35017763F461}" dt="2022-05-02T08:04:27.832" v="86" actId="26606"/>
+          <ac:spMkLst>
+            <pc:docMk/>
+            <pc:sldMk cId="3719759747" sldId="256"/>
+            <ac:spMk id="25" creationId="{7821A508-2985-4905-874A-527429BAABFA}"/>
+          </ac:spMkLst>
+        </pc:spChg>
+        <pc:spChg chg="add">
+          <ac:chgData name="Wriju Ghosh" userId="93330360-ec5c-4afd-b5e4-d283febfe7a2" providerId="ADAL" clId="{B1A1B8A0-DE3F-4A71-9E6F-35017763F461}" dt="2022-05-02T08:04:27.832" v="86" actId="26606"/>
+          <ac:spMkLst>
+            <pc:docMk/>
+            <pc:sldMk cId="3719759747" sldId="256"/>
+            <ac:spMk id="27" creationId="{D2929CB1-0E3C-4B2D-ADC5-0154FB33BA44}"/>
+          </ac:spMkLst>
+        </pc:spChg>
+        <pc:spChg chg="add">
+          <ac:chgData name="Wriju Ghosh" userId="93330360-ec5c-4afd-b5e4-d283febfe7a2" providerId="ADAL" clId="{B1A1B8A0-DE3F-4A71-9E6F-35017763F461}" dt="2022-05-02T08:04:27.832" v="86" actId="26606"/>
+          <ac:spMkLst>
+            <pc:docMk/>
+            <pc:sldMk cId="3719759747" sldId="256"/>
+            <ac:spMk id="29" creationId="{5F2F0C84-BE8C-4DC2-A6D3-30349A801D5C}"/>
+          </ac:spMkLst>
+        </pc:spChg>
+        <pc:picChg chg="add mod">
+          <ac:chgData name="Wriju Ghosh" userId="93330360-ec5c-4afd-b5e4-d283febfe7a2" providerId="ADAL" clId="{B1A1B8A0-DE3F-4A71-9E6F-35017763F461}" dt="2022-05-02T08:04:27.832" v="86" actId="26606"/>
+          <ac:picMkLst>
+            <pc:docMk/>
+            <pc:sldMk cId="3719759747" sldId="256"/>
+            <ac:picMk id="6" creationId="{774A3E81-4390-E081-5EB8-BD11171CD9AB}"/>
+          </ac:picMkLst>
+        </pc:picChg>
+        <pc:cxnChg chg="del">
+          <ac:chgData name="Wriju Ghosh" userId="93330360-ec5c-4afd-b5e4-d283febfe7a2" providerId="ADAL" clId="{B1A1B8A0-DE3F-4A71-9E6F-35017763F461}" dt="2022-05-02T08:04:27.832" v="86" actId="26606"/>
+          <ac:cxnSpMkLst>
+            <pc:docMk/>
+            <pc:sldMk cId="3719759747" sldId="256"/>
+            <ac:cxnSpMk id="12" creationId="{5021601D-2758-4B15-A31C-FDA184C51B3A}"/>
+          </ac:cxnSpMkLst>
+        </pc:cxnChg>
+      </pc:sldChg>
+      <pc:sldChg chg="addSp delSp modSp mod">
+        <pc:chgData name="Wriju Ghosh" userId="93330360-ec5c-4afd-b5e4-d283febfe7a2" providerId="ADAL" clId="{B1A1B8A0-DE3F-4A71-9E6F-35017763F461}" dt="2022-05-02T09:23:44.013" v="111" actId="26606"/>
+        <pc:sldMkLst>
+          <pc:docMk/>
+          <pc:sldMk cId="3840554547" sldId="257"/>
+        </pc:sldMkLst>
+        <pc:spChg chg="mod">
+          <ac:chgData name="Wriju Ghosh" userId="93330360-ec5c-4afd-b5e4-d283febfe7a2" providerId="ADAL" clId="{B1A1B8A0-DE3F-4A71-9E6F-35017763F461}" dt="2022-05-02T09:23:44.013" v="111" actId="26606"/>
+          <ac:spMkLst>
+            <pc:docMk/>
+            <pc:sldMk cId="3840554547" sldId="257"/>
+            <ac:spMk id="2" creationId="{71F33C57-2F4B-643A-BE33-095CCCFB72CD}"/>
+          </ac:spMkLst>
+        </pc:spChg>
+        <pc:spChg chg="add del">
+          <ac:chgData name="Wriju Ghosh" userId="93330360-ec5c-4afd-b5e4-d283febfe7a2" providerId="ADAL" clId="{B1A1B8A0-DE3F-4A71-9E6F-35017763F461}" dt="2022-05-02T09:23:44.013" v="111" actId="26606"/>
+          <ac:spMkLst>
+            <pc:docMk/>
+            <pc:sldMk cId="3840554547" sldId="257"/>
+            <ac:spMk id="10" creationId="{594D6AA1-A0E1-45F9-8E25-BAB8092293CC}"/>
+          </ac:spMkLst>
+        </pc:spChg>
+        <pc:spChg chg="add del">
+          <ac:chgData name="Wriju Ghosh" userId="93330360-ec5c-4afd-b5e4-d283febfe7a2" providerId="ADAL" clId="{B1A1B8A0-DE3F-4A71-9E6F-35017763F461}" dt="2022-05-02T09:23:43.996" v="110" actId="26606"/>
+          <ac:spMkLst>
+            <pc:docMk/>
+            <pc:sldMk cId="3840554547" sldId="257"/>
+            <ac:spMk id="15" creationId="{BA79A7CF-01AF-4178-9369-94E0C90EB046}"/>
+          </ac:spMkLst>
+        </pc:spChg>
+        <pc:spChg chg="add del">
+          <ac:chgData name="Wriju Ghosh" userId="93330360-ec5c-4afd-b5e4-d283febfe7a2" providerId="ADAL" clId="{B1A1B8A0-DE3F-4A71-9E6F-35017763F461}" dt="2022-05-02T09:23:43.996" v="110" actId="26606"/>
+          <ac:spMkLst>
+            <pc:docMk/>
+            <pc:sldMk cId="3840554547" sldId="257"/>
+            <ac:spMk id="17" creationId="{99413ED5-9ED4-4772-BCE4-2BCAE6B12E35}"/>
+          </ac:spMkLst>
+        </pc:spChg>
+        <pc:spChg chg="add del">
+          <ac:chgData name="Wriju Ghosh" userId="93330360-ec5c-4afd-b5e4-d283febfe7a2" providerId="ADAL" clId="{B1A1B8A0-DE3F-4A71-9E6F-35017763F461}" dt="2022-05-02T09:23:43.996" v="110" actId="26606"/>
+          <ac:spMkLst>
+            <pc:docMk/>
+            <pc:sldMk cId="3840554547" sldId="257"/>
+            <ac:spMk id="19" creationId="{04357C93-F0CB-4A1C-8F77-4E9063789819}"/>
+          </ac:spMkLst>
+        </pc:spChg>
+        <pc:spChg chg="add del">
+          <ac:chgData name="Wriju Ghosh" userId="93330360-ec5c-4afd-b5e4-d283febfe7a2" providerId="ADAL" clId="{B1A1B8A0-DE3F-4A71-9E6F-35017763F461}" dt="2022-05-02T09:23:43.996" v="110" actId="26606"/>
+          <ac:spMkLst>
+            <pc:docMk/>
+            <pc:sldMk cId="3840554547" sldId="257"/>
+            <ac:spMk id="21" creationId="{90F533E9-6690-41A8-A372-4C6C622D028D}"/>
+          </ac:spMkLst>
+        </pc:spChg>
+        <pc:spChg chg="add">
+          <ac:chgData name="Wriju Ghosh" userId="93330360-ec5c-4afd-b5e4-d283febfe7a2" providerId="ADAL" clId="{B1A1B8A0-DE3F-4A71-9E6F-35017763F461}" dt="2022-05-02T09:23:44.013" v="111" actId="26606"/>
+          <ac:spMkLst>
+            <pc:docMk/>
+            <pc:sldMk cId="3840554547" sldId="257"/>
+            <ac:spMk id="23" creationId="{BCED4D40-4B67-4331-AC48-79B82B4A47D8}"/>
+          </ac:spMkLst>
+        </pc:spChg>
+        <pc:spChg chg="add">
+          <ac:chgData name="Wriju Ghosh" userId="93330360-ec5c-4afd-b5e4-d283febfe7a2" providerId="ADAL" clId="{B1A1B8A0-DE3F-4A71-9E6F-35017763F461}" dt="2022-05-02T09:23:44.013" v="111" actId="26606"/>
+          <ac:spMkLst>
+            <pc:docMk/>
+            <pc:sldMk cId="3840554547" sldId="257"/>
+            <ac:spMk id="24" creationId="{670CEDEF-4F34-412E-84EE-329C1E936AF5}"/>
+          </ac:spMkLst>
+        </pc:spChg>
+        <pc:picChg chg="mod">
+          <ac:chgData name="Wriju Ghosh" userId="93330360-ec5c-4afd-b5e4-d283febfe7a2" providerId="ADAL" clId="{B1A1B8A0-DE3F-4A71-9E6F-35017763F461}" dt="2022-05-02T09:23:44.013" v="111" actId="26606"/>
+          <ac:picMkLst>
+            <pc:docMk/>
+            <pc:sldMk cId="3840554547" sldId="257"/>
+            <ac:picMk id="5" creationId="{89B634A0-26E5-BCB1-ED78-D89A6C1F04A5}"/>
+          </ac:picMkLst>
+        </pc:picChg>
+      </pc:sldChg>
+      <pc:sldChg chg="addSp modSp mod setBg">
+        <pc:chgData name="Wriju Ghosh" userId="93330360-ec5c-4afd-b5e4-d283febfe7a2" providerId="ADAL" clId="{B1A1B8A0-DE3F-4A71-9E6F-35017763F461}" dt="2022-05-02T09:22:31.126" v="108" actId="255"/>
+        <pc:sldMkLst>
+          <pc:docMk/>
+          <pc:sldMk cId="388675886" sldId="258"/>
+        </pc:sldMkLst>
+        <pc:spChg chg="mod">
+          <ac:chgData name="Wriju Ghosh" userId="93330360-ec5c-4afd-b5e4-d283febfe7a2" providerId="ADAL" clId="{B1A1B8A0-DE3F-4A71-9E6F-35017763F461}" dt="2022-05-02T09:21:58.207" v="96" actId="26606"/>
+          <ac:spMkLst>
+            <pc:docMk/>
+            <pc:sldMk cId="388675886" sldId="258"/>
+            <ac:spMk id="2" creationId="{CBD4C592-1078-FFDC-16EF-9CC4A93E529C}"/>
+          </ac:spMkLst>
+        </pc:spChg>
+        <pc:spChg chg="mod">
+          <ac:chgData name="Wriju Ghosh" userId="93330360-ec5c-4afd-b5e4-d283febfe7a2" providerId="ADAL" clId="{B1A1B8A0-DE3F-4A71-9E6F-35017763F461}" dt="2022-05-02T09:22:31.126" v="108" actId="255"/>
+          <ac:spMkLst>
+            <pc:docMk/>
+            <pc:sldMk cId="388675886" sldId="258"/>
+            <ac:spMk id="3" creationId="{BEEC4CDF-762C-8DFA-02F4-661BECBCAF7A}"/>
+          </ac:spMkLst>
+        </pc:spChg>
+        <pc:spChg chg="add">
+          <ac:chgData name="Wriju Ghosh" userId="93330360-ec5c-4afd-b5e4-d283febfe7a2" providerId="ADAL" clId="{B1A1B8A0-DE3F-4A71-9E6F-35017763F461}" dt="2022-05-02T09:21:58.207" v="96" actId="26606"/>
+          <ac:spMkLst>
+            <pc:docMk/>
+            <pc:sldMk cId="388675886" sldId="258"/>
+            <ac:spMk id="10" creationId="{201CC55D-ED54-4C5C-95E6-10947BD1103B}"/>
+          </ac:spMkLst>
+        </pc:spChg>
+        <pc:spChg chg="add">
+          <ac:chgData name="Wriju Ghosh" userId="93330360-ec5c-4afd-b5e4-d283febfe7a2" providerId="ADAL" clId="{B1A1B8A0-DE3F-4A71-9E6F-35017763F461}" dt="2022-05-02T09:21:58.207" v="96" actId="26606"/>
+          <ac:spMkLst>
+            <pc:docMk/>
+            <pc:sldMk cId="388675886" sldId="258"/>
+            <ac:spMk id="16" creationId="{3873B707-463F-40B0-8227-E8CC6C67EB25}"/>
+          </ac:spMkLst>
+        </pc:spChg>
+        <pc:spChg chg="add">
+          <ac:chgData name="Wriju Ghosh" userId="93330360-ec5c-4afd-b5e4-d283febfe7a2" providerId="ADAL" clId="{B1A1B8A0-DE3F-4A71-9E6F-35017763F461}" dt="2022-05-02T09:21:58.207" v="96" actId="26606"/>
+          <ac:spMkLst>
+            <pc:docMk/>
+            <pc:sldMk cId="388675886" sldId="258"/>
+            <ac:spMk id="18" creationId="{C13237C8-E62C-4F0D-A318-BD6FB6C2D138}"/>
+          </ac:spMkLst>
+        </pc:spChg>
+        <pc:spChg chg="add">
+          <ac:chgData name="Wriju Ghosh" userId="93330360-ec5c-4afd-b5e4-d283febfe7a2" providerId="ADAL" clId="{B1A1B8A0-DE3F-4A71-9E6F-35017763F461}" dt="2022-05-02T09:21:58.207" v="96" actId="26606"/>
+          <ac:spMkLst>
+            <pc:docMk/>
+            <pc:sldMk cId="388675886" sldId="258"/>
+            <ac:spMk id="20" creationId="{19C9EAEA-39D0-4B0E-A0EB-51E7B26740B1}"/>
+          </ac:spMkLst>
+        </pc:spChg>
+        <pc:grpChg chg="add">
+          <ac:chgData name="Wriju Ghosh" userId="93330360-ec5c-4afd-b5e4-d283febfe7a2" providerId="ADAL" clId="{B1A1B8A0-DE3F-4A71-9E6F-35017763F461}" dt="2022-05-02T09:21:58.207" v="96" actId="26606"/>
+          <ac:grpSpMkLst>
+            <pc:docMk/>
+            <pc:sldMk cId="388675886" sldId="258"/>
+            <ac:grpSpMk id="12" creationId="{1DE889C7-FAD6-4397-98E2-05D503484459}"/>
+          </ac:grpSpMkLst>
+        </pc:grpChg>
+        <pc:picChg chg="add mod">
+          <ac:chgData name="Wriju Ghosh" userId="93330360-ec5c-4afd-b5e4-d283febfe7a2" providerId="ADAL" clId="{B1A1B8A0-DE3F-4A71-9E6F-35017763F461}" dt="2022-05-02T09:21:58.207" v="96" actId="26606"/>
+          <ac:picMkLst>
+            <pc:docMk/>
+            <pc:sldMk cId="388675886" sldId="258"/>
+            <ac:picMk id="5" creationId="{75B1DF89-BE53-9DBD-6415-D69DB11EE07B}"/>
+          </ac:picMkLst>
+        </pc:picChg>
+      </pc:sldChg>
+      <pc:sldChg chg="modSp new del mod">
+        <pc:chgData name="Wriju Ghosh" userId="93330360-ec5c-4afd-b5e4-d283febfe7a2" providerId="ADAL" clId="{B1A1B8A0-DE3F-4A71-9E6F-35017763F461}" dt="2022-05-02T08:33:09.574" v="94" actId="47"/>
+        <pc:sldMkLst>
+          <pc:docMk/>
+          <pc:sldMk cId="1947958319" sldId="259"/>
+        </pc:sldMkLst>
+        <pc:spChg chg="mod">
+          <ac:chgData name="Wriju Ghosh" userId="93330360-ec5c-4afd-b5e4-d283febfe7a2" providerId="ADAL" clId="{B1A1B8A0-DE3F-4A71-9E6F-35017763F461}" dt="2022-05-02T06:40:50.794" v="65" actId="20577"/>
+          <ac:spMkLst>
+            <pc:docMk/>
+            <pc:sldMk cId="1947958319" sldId="259"/>
+            <ac:spMk id="2" creationId="{AFEF1804-EBA6-91AD-6153-2DBADDBBF870}"/>
+          </ac:spMkLst>
+        </pc:spChg>
+      </pc:sldChg>
+    </pc:docChg>
+  </pc:docChgLst>
   <pc:docChgLst>
     <pc:chgData name="Wriju Ghosh" userId="93330360-ec5c-4afd-b5e4-d283febfe7a2" providerId="ADAL" clId="{002A2C73-0D72-49C2-9ACE-8DB4A003496E}"/>
     <pc:docChg chg="custSel addSld modSld">
@@ -3404,12 +3697,12 @@
           <a:chExt cx="0" cy="0"/>
         </a:xfrm>
       </p:grpSpPr>
-      <p:sp>
-        <p:nvSpPr>
-          <p:cNvPr id="10" name="Rectangle 9">
-            <a:extLst>
-              <a:ext uri="{FF2B5EF4-FFF2-40B4-BE49-F238E27FC236}">
-                <a16:creationId xmlns:a16="http://schemas.microsoft.com/office/drawing/2014/main" id="{8CA06CD6-90CA-4C45-856C-6771339E1E22}"/>
+      <p:sp useBgFill="1">
+        <p:nvSpPr>
+          <p:cNvPr id="17" name="Rectangle 16">
+            <a:extLst>
+              <a:ext uri="{FF2B5EF4-FFF2-40B4-BE49-F238E27FC236}">
+                <a16:creationId xmlns:a16="http://schemas.microsoft.com/office/drawing/2014/main" id="{362D44EE-C852-4460-B8B5-C4F2BC20510C}"/>
               </a:ext>
               <a:ext uri="{C183D7F6-B498-43B3-948B-1728B52AA6E4}">
                 <adec:decorative xmlns:adec="http://schemas.microsoft.com/office/drawing/2017/decorative" val="1"/>
@@ -3427,20 +3720,15 @@
             </p:extLst>
           </p:nvPr>
         </p:nvSpPr>
-        <p:spPr bwMode="ltGray">
+        <p:spPr>
           <a:xfrm>
-            <a:off x="321564" y="320040"/>
-            <a:ext cx="11548872" cy="6217920"/>
+            <a:off x="0" y="0"/>
+            <a:ext cx="12192000" cy="6858000"/>
           </a:xfrm>
           <a:prstGeom prst="rect">
             <a:avLst/>
           </a:prstGeom>
-          <a:solidFill>
-            <a:schemeClr val="tx1">
-              <a:alpha val="10000"/>
-            </a:schemeClr>
-          </a:solidFill>
-          <a:ln w="127000" cap="sq" cmpd="thinThick">
+          <a:ln>
             <a:noFill/>
           </a:ln>
         </p:spPr>
@@ -3487,46 +3775,89 @@
         </p:nvSpPr>
         <p:spPr>
           <a:xfrm>
-            <a:off x="838200" y="963507"/>
-            <a:ext cx="3494362" cy="4930986"/>
+            <a:off x="6194716" y="739978"/>
+            <a:ext cx="5334930" cy="3004145"/>
           </a:xfrm>
         </p:spPr>
         <p:txBody>
-          <a:bodyPr vert="horz" lIns="91440" tIns="45720" rIns="91440" bIns="45720" rtlCol="0" anchor="ctr">
+          <a:bodyPr vert="horz" lIns="91440" tIns="45720" rIns="91440" bIns="45720" rtlCol="0" anchor="b">
             <a:normAutofit/>
           </a:bodyPr>
           <a:lstStyle/>
           <a:p>
-            <a:pPr algn="r"/>
-            <a:r>
-              <a:rPr lang="en-US" sz="4400" kern="1200">
-                <a:solidFill>
-                  <a:schemeClr val="accent1"/>
-                </a:solidFill>
-                <a:latin typeface="+mj-lt"/>
-                <a:ea typeface="+mj-ea"/>
-                <a:cs typeface="+mj-cs"/>
-              </a:rPr>
+            <a:r>
+              <a:rPr lang="en-US"/>
               <a:t>Containers in Azure</a:t>
             </a:r>
           </a:p>
         </p:txBody>
       </p:sp>
-      <p:cxnSp>
-        <p:nvCxnSpPr>
-          <p:cNvPr id="12" name="Straight Connector 11">
-            <a:extLst>
-              <a:ext uri="{FF2B5EF4-FFF2-40B4-BE49-F238E27FC236}">
-                <a16:creationId xmlns:a16="http://schemas.microsoft.com/office/drawing/2014/main" id="{5021601D-2758-4B15-A31C-FDA184C51B3A}"/>
+      <p:sp>
+        <p:nvSpPr>
+          <p:cNvPr id="3" name="Subtitle 2">
+            <a:extLst>
+              <a:ext uri="{FF2B5EF4-FFF2-40B4-BE49-F238E27FC236}">
+                <a16:creationId xmlns:a16="http://schemas.microsoft.com/office/drawing/2014/main" id="{AB957D0B-1D2C-E053-3E80-A1FC064E8F74}"/>
+              </a:ext>
+            </a:extLst>
+          </p:cNvPr>
+          <p:cNvSpPr>
+            <a:spLocks noGrp="1"/>
+          </p:cNvSpPr>
+          <p:nvPr>
+            <p:ph type="subTitle" idx="1"/>
+          </p:nvPr>
+        </p:nvSpPr>
+        <p:spPr>
+          <a:xfrm>
+            <a:off x="6194715" y="3836197"/>
+            <a:ext cx="5334931" cy="2189214"/>
+          </a:xfrm>
+        </p:spPr>
+        <p:txBody>
+          <a:bodyPr vert="horz" lIns="91440" tIns="45720" rIns="91440" bIns="45720" rtlCol="0">
+            <a:normAutofit/>
+          </a:bodyPr>
+          <a:lstStyle/>
+          <a:p>
+            <a:r>
+              <a:rPr lang="en-US" b="1"/>
+              <a:t>Wriju Ghosh</a:t>
+            </a:r>
+            <a:r>
+              <a:rPr lang="en-US"/>
+              <a:t>, </a:t>
+            </a:r>
+          </a:p>
+          <a:p>
+            <a:r>
+              <a:rPr lang="en-US"/>
+              <a:t>Cloud Solution Architect</a:t>
+            </a:r>
+          </a:p>
+          <a:p>
+            <a:r>
+              <a:rPr lang="en-US"/>
+              <a:t>@wrijugh</a:t>
+            </a:r>
+          </a:p>
+        </p:txBody>
+      </p:sp>
+      <p:sp>
+        <p:nvSpPr>
+          <p:cNvPr id="19" name="Freeform: Shape 18">
+            <a:extLst>
+              <a:ext uri="{FF2B5EF4-FFF2-40B4-BE49-F238E27FC236}">
+                <a16:creationId xmlns:a16="http://schemas.microsoft.com/office/drawing/2014/main" id="{658970D8-8D1D-4B5C-894B-E871CC86543D}"/>
               </a:ext>
               <a:ext uri="{C183D7F6-B498-43B3-948B-1728B52AA6E4}">
                 <adec:decorative xmlns:adec="http://schemas.microsoft.com/office/drawing/2017/decorative" val="1"/>
               </a:ext>
             </a:extLst>
           </p:cNvPr>
-          <p:cNvCxnSpPr>
-            <a:cxnSpLocks noGrp="1" noRot="1" noChangeAspect="1" noMove="1" noResize="1" noEditPoints="1" noAdjustHandles="1" noChangeArrowheads="1" noChangeShapeType="1"/>
-          </p:cNvCxnSpPr>
+          <p:cNvSpPr>
+            <a:spLocks noGrp="1" noRot="1" noChangeAspect="1" noMove="1" noResize="1" noEditPoints="1" noAdjustHandles="1" noChangeArrowheads="1" noChangeShapeType="1" noTextEdit="1"/>
+          </p:cNvSpPr>
           <p:nvPr>
             <p:extLst>
               <p:ext uri="{386F3935-93C4-4BCD-93E2-E3B085C9AB24}">
@@ -3534,95 +3865,1005 @@
               </p:ext>
             </p:extLst>
           </p:nvPr>
-        </p:nvCxnSpPr>
+        </p:nvSpPr>
         <p:spPr>
-          <a:xfrm>
-            <a:off x="4654296" y="2057400"/>
-            <a:ext cx="0" cy="2743200"/>
+          <a:xfrm flipH="1">
+            <a:off x="530529" y="1"/>
+            <a:ext cx="1155142" cy="591009"/>
           </a:xfrm>
-          <a:prstGeom prst="line">
+          <a:custGeom>
             <a:avLst/>
-          </a:prstGeom>
-          <a:ln w="19050">
-            <a:solidFill>
-              <a:schemeClr val="tx1">
-                <a:lumMod val="85000"/>
-                <a:lumOff val="15000"/>
-              </a:schemeClr>
-            </a:solidFill>
+            <a:gdLst>
+              <a:gd name="connsiteX0" fmla="*/ 1355 w 1155142"/>
+              <a:gd name="connsiteY0" fmla="*/ 0 h 591009"/>
+              <a:gd name="connsiteX1" fmla="*/ 1153787 w 1155142"/>
+              <a:gd name="connsiteY1" fmla="*/ 0 h 591009"/>
+              <a:gd name="connsiteX2" fmla="*/ 1155142 w 1155142"/>
+              <a:gd name="connsiteY2" fmla="*/ 13438 h 591009"/>
+              <a:gd name="connsiteX3" fmla="*/ 577571 w 1155142"/>
+              <a:gd name="connsiteY3" fmla="*/ 591009 h 591009"/>
+              <a:gd name="connsiteX4" fmla="*/ 0 w 1155142"/>
+              <a:gd name="connsiteY4" fmla="*/ 13438 h 591009"/>
+            </a:gdLst>
+            <a:ahLst/>
+            <a:cxnLst>
+              <a:cxn ang="0">
+                <a:pos x="connsiteX0" y="connsiteY0"/>
+              </a:cxn>
+              <a:cxn ang="0">
+                <a:pos x="connsiteX1" y="connsiteY1"/>
+              </a:cxn>
+              <a:cxn ang="0">
+                <a:pos x="connsiteX2" y="connsiteY2"/>
+              </a:cxn>
+              <a:cxn ang="0">
+                <a:pos x="connsiteX3" y="connsiteY3"/>
+              </a:cxn>
+              <a:cxn ang="0">
+                <a:pos x="connsiteX4" y="connsiteY4"/>
+              </a:cxn>
+            </a:cxnLst>
+            <a:rect l="l" t="t" r="r" b="b"/>
+            <a:pathLst>
+              <a:path w="1155142" h="591009">
+                <a:moveTo>
+                  <a:pt x="1355" y="0"/>
+                </a:moveTo>
+                <a:lnTo>
+                  <a:pt x="1153787" y="0"/>
+                </a:lnTo>
+                <a:lnTo>
+                  <a:pt x="1155142" y="13438"/>
+                </a:lnTo>
+                <a:cubicBezTo>
+                  <a:pt x="1155142" y="332422"/>
+                  <a:pt x="896555" y="591009"/>
+                  <a:pt x="577571" y="591009"/>
+                </a:cubicBezTo>
+                <a:cubicBezTo>
+                  <a:pt x="258587" y="591009"/>
+                  <a:pt x="0" y="332422"/>
+                  <a:pt x="0" y="13438"/>
+                </a:cubicBezTo>
+                <a:close/>
+              </a:path>
+            </a:pathLst>
+          </a:custGeom>
+          <a:solidFill>
+            <a:schemeClr val="accent5"/>
+          </a:solidFill>
+          <a:ln>
+            <a:noFill/>
           </a:ln>
         </p:spPr>
         <p:style>
-          <a:lnRef idx="1">
-            <a:schemeClr val="accent1"/>
+          <a:lnRef idx="2">
+            <a:schemeClr val="accent1">
+              <a:shade val="50000"/>
+            </a:schemeClr>
           </a:lnRef>
-          <a:fillRef idx="0">
+          <a:fillRef idx="1">
             <a:schemeClr val="accent1"/>
           </a:fillRef>
           <a:effectRef idx="0">
             <a:schemeClr val="accent1"/>
           </a:effectRef>
           <a:fontRef idx="minor">
-            <a:schemeClr val="tx1"/>
+            <a:schemeClr val="lt1"/>
           </a:fontRef>
         </p:style>
-      </p:cxnSp>
-      <p:sp>
-        <p:nvSpPr>
-          <p:cNvPr id="3" name="Subtitle 2">
-            <a:extLst>
-              <a:ext uri="{FF2B5EF4-FFF2-40B4-BE49-F238E27FC236}">
-                <a16:creationId xmlns:a16="http://schemas.microsoft.com/office/drawing/2014/main" id="{AB957D0B-1D2C-E053-3E80-A1FC064E8F74}"/>
-              </a:ext>
-            </a:extLst>
-          </p:cNvPr>
-          <p:cNvSpPr>
-            <a:spLocks noGrp="1"/>
-          </p:cNvSpPr>
-          <p:nvPr>
-            <p:ph type="subTitle" idx="1"/>
-          </p:nvPr>
-        </p:nvSpPr>
+        <p:txBody>
+          <a:bodyPr wrap="square" rtlCol="0" anchor="ctr">
+            <a:noAutofit/>
+          </a:bodyPr>
+          <a:lstStyle/>
+          <a:p>
+            <a:pPr algn="ctr"/>
+            <a:endParaRPr lang="en-US"/>
+          </a:p>
+        </p:txBody>
+      </p:sp>
+      <p:sp>
+        <p:nvSpPr>
+          <p:cNvPr id="21" name="Freeform: Shape 20">
+            <a:extLst>
+              <a:ext uri="{FF2B5EF4-FFF2-40B4-BE49-F238E27FC236}">
+                <a16:creationId xmlns:a16="http://schemas.microsoft.com/office/drawing/2014/main" id="{F227E5B6-9132-43CA-B503-37A18562ADF2}"/>
+              </a:ext>
+              <a:ext uri="{C183D7F6-B498-43B3-948B-1728B52AA6E4}">
+                <adec:decorative xmlns:adec="http://schemas.microsoft.com/office/drawing/2017/decorative" val="1"/>
+              </a:ext>
+            </a:extLst>
+          </p:cNvPr>
+          <p:cNvSpPr>
+            <a:spLocks noGrp="1" noRot="1" noChangeAspect="1" noMove="1" noResize="1" noEditPoints="1" noAdjustHandles="1" noChangeArrowheads="1" noChangeShapeType="1" noTextEdit="1"/>
+          </p:cNvSpPr>
+          <p:nvPr>
+            <p:extLst>
+              <p:ext uri="{386F3935-93C4-4BCD-93E2-E3B085C9AB24}">
+                <p16:designElem xmlns:p16="http://schemas.microsoft.com/office/powerpoint/2015/main" val="1"/>
+              </p:ext>
+            </p:extLst>
+          </p:nvPr>
+        </p:nvSpPr>
+        <p:spPr>
+          <a:xfrm flipH="1">
+            <a:off x="4349052" y="0"/>
+            <a:ext cx="1737401" cy="959536"/>
+          </a:xfrm>
+          <a:custGeom>
+            <a:avLst/>
+            <a:gdLst>
+              <a:gd name="connsiteX0" fmla="*/ 0 w 1737401"/>
+              <a:gd name="connsiteY0" fmla="*/ 0 h 959536"/>
+              <a:gd name="connsiteX1" fmla="*/ 123825 w 1737401"/>
+              <a:gd name="connsiteY1" fmla="*/ 0 h 959536"/>
+              <a:gd name="connsiteX2" fmla="*/ 123825 w 1737401"/>
+              <a:gd name="connsiteY2" fmla="*/ 790277 h 959536"/>
+              <a:gd name="connsiteX3" fmla="*/ 1490095 w 1737401"/>
+              <a:gd name="connsiteY3" fmla="*/ 0 h 959536"/>
+              <a:gd name="connsiteX4" fmla="*/ 1737401 w 1737401"/>
+              <a:gd name="connsiteY4" fmla="*/ 0 h 959536"/>
+              <a:gd name="connsiteX5" fmla="*/ 92869 w 1737401"/>
+              <a:gd name="connsiteY5" fmla="*/ 951249 h 959536"/>
+              <a:gd name="connsiteX6" fmla="*/ 61913 w 1737401"/>
+              <a:gd name="connsiteY6" fmla="*/ 959536 h 959536"/>
+              <a:gd name="connsiteX7" fmla="*/ 0 w 1737401"/>
+              <a:gd name="connsiteY7" fmla="*/ 897624 h 959536"/>
+            </a:gdLst>
+            <a:ahLst/>
+            <a:cxnLst>
+              <a:cxn ang="0">
+                <a:pos x="connsiteX0" y="connsiteY0"/>
+              </a:cxn>
+              <a:cxn ang="0">
+                <a:pos x="connsiteX1" y="connsiteY1"/>
+              </a:cxn>
+              <a:cxn ang="0">
+                <a:pos x="connsiteX2" y="connsiteY2"/>
+              </a:cxn>
+              <a:cxn ang="0">
+                <a:pos x="connsiteX3" y="connsiteY3"/>
+              </a:cxn>
+              <a:cxn ang="0">
+                <a:pos x="connsiteX4" y="connsiteY4"/>
+              </a:cxn>
+              <a:cxn ang="0">
+                <a:pos x="connsiteX5" y="connsiteY5"/>
+              </a:cxn>
+              <a:cxn ang="0">
+                <a:pos x="connsiteX6" y="connsiteY6"/>
+              </a:cxn>
+              <a:cxn ang="0">
+                <a:pos x="connsiteX7" y="connsiteY7"/>
+              </a:cxn>
+            </a:cxnLst>
+            <a:rect l="l" t="t" r="r" b="b"/>
+            <a:pathLst>
+              <a:path w="1737401" h="959536">
+                <a:moveTo>
+                  <a:pt x="0" y="0"/>
+                </a:moveTo>
+                <a:lnTo>
+                  <a:pt x="123825" y="0"/>
+                </a:lnTo>
+                <a:lnTo>
+                  <a:pt x="123825" y="790277"/>
+                </a:lnTo>
+                <a:lnTo>
+                  <a:pt x="1490095" y="0"/>
+                </a:lnTo>
+                <a:lnTo>
+                  <a:pt x="1737401" y="0"/>
+                </a:lnTo>
+                <a:lnTo>
+                  <a:pt x="92869" y="951249"/>
+                </a:lnTo>
+                <a:cubicBezTo>
+                  <a:pt x="83458" y="956688"/>
+                  <a:pt x="72780" y="959546"/>
+                  <a:pt x="61913" y="959536"/>
+                </a:cubicBezTo>
+                <a:cubicBezTo>
+                  <a:pt x="27719" y="959536"/>
+                  <a:pt x="0" y="931818"/>
+                  <a:pt x="0" y="897624"/>
+                </a:cubicBezTo>
+                <a:close/>
+              </a:path>
+            </a:pathLst>
+          </a:custGeom>
+          <a:solidFill>
+            <a:schemeClr val="accent6"/>
+          </a:solidFill>
+          <a:ln w="9525" cap="flat">
+            <a:noFill/>
+            <a:prstDash val="solid"/>
+            <a:miter/>
+          </a:ln>
+        </p:spPr>
+        <p:txBody>
+          <a:bodyPr rtlCol="0" anchor="ctr"/>
+          <a:lstStyle/>
+          <a:p>
+            <a:endParaRPr lang="en-US"/>
+          </a:p>
+        </p:txBody>
+      </p:sp>
+      <p:sp>
+        <p:nvSpPr>
+          <p:cNvPr id="23" name="Freeform: Shape 22">
+            <a:extLst>
+              <a:ext uri="{FF2B5EF4-FFF2-40B4-BE49-F238E27FC236}">
+                <a16:creationId xmlns:a16="http://schemas.microsoft.com/office/drawing/2014/main" id="{03C2051E-A88D-48E5-BACF-AAED17892722}"/>
+              </a:ext>
+              <a:ext uri="{C183D7F6-B498-43B3-948B-1728B52AA6E4}">
+                <adec:decorative xmlns:adec="http://schemas.microsoft.com/office/drawing/2017/decorative" val="1"/>
+              </a:ext>
+            </a:extLst>
+          </p:cNvPr>
+          <p:cNvSpPr>
+            <a:spLocks noGrp="1" noRot="1" noChangeAspect="1" noMove="1" noResize="1" noEditPoints="1" noAdjustHandles="1" noChangeArrowheads="1" noChangeShapeType="1" noTextEdit="1"/>
+          </p:cNvSpPr>
+          <p:nvPr>
+            <p:extLst>
+              <p:ext uri="{386F3935-93C4-4BCD-93E2-E3B085C9AB24}">
+                <p16:designElem xmlns:p16="http://schemas.microsoft.com/office/powerpoint/2015/main" val="1"/>
+              </p:ext>
+            </p:extLst>
+          </p:nvPr>
+        </p:nvSpPr>
+        <p:spPr>
+          <a:xfrm flipH="1">
+            <a:off x="0" y="2916245"/>
+            <a:ext cx="159741" cy="552996"/>
+          </a:xfrm>
+          <a:custGeom>
+            <a:avLst/>
+            <a:gdLst>
+              <a:gd name="connsiteX0" fmla="*/ 159741 w 159741"/>
+              <a:gd name="connsiteY0" fmla="*/ 0 h 552996"/>
+              <a:gd name="connsiteX1" fmla="*/ 159741 w 159741"/>
+              <a:gd name="connsiteY1" fmla="*/ 552996 h 552996"/>
+              <a:gd name="connsiteX2" fmla="*/ 141849 w 159741"/>
+              <a:gd name="connsiteY2" fmla="*/ 543285 h 552996"/>
+              <a:gd name="connsiteX3" fmla="*/ 0 w 159741"/>
+              <a:gd name="connsiteY3" fmla="*/ 276498 h 552996"/>
+              <a:gd name="connsiteX4" fmla="*/ 141849 w 159741"/>
+              <a:gd name="connsiteY4" fmla="*/ 9711 h 552996"/>
+            </a:gdLst>
+            <a:ahLst/>
+            <a:cxnLst>
+              <a:cxn ang="0">
+                <a:pos x="connsiteX0" y="connsiteY0"/>
+              </a:cxn>
+              <a:cxn ang="0">
+                <a:pos x="connsiteX1" y="connsiteY1"/>
+              </a:cxn>
+              <a:cxn ang="0">
+                <a:pos x="connsiteX2" y="connsiteY2"/>
+              </a:cxn>
+              <a:cxn ang="0">
+                <a:pos x="connsiteX3" y="connsiteY3"/>
+              </a:cxn>
+              <a:cxn ang="0">
+                <a:pos x="connsiteX4" y="connsiteY4"/>
+              </a:cxn>
+            </a:cxnLst>
+            <a:rect l="l" t="t" r="r" b="b"/>
+            <a:pathLst>
+              <a:path w="159741" h="552996">
+                <a:moveTo>
+                  <a:pt x="159741" y="0"/>
+                </a:moveTo>
+                <a:lnTo>
+                  <a:pt x="159741" y="552996"/>
+                </a:lnTo>
+                <a:lnTo>
+                  <a:pt x="141849" y="543285"/>
+                </a:lnTo>
+                <a:cubicBezTo>
+                  <a:pt x="56268" y="485467"/>
+                  <a:pt x="0" y="387554"/>
+                  <a:pt x="0" y="276498"/>
+                </a:cubicBezTo>
+                <a:cubicBezTo>
+                  <a:pt x="0" y="165443"/>
+                  <a:pt x="56268" y="67529"/>
+                  <a:pt x="141849" y="9711"/>
+                </a:cubicBezTo>
+                <a:close/>
+              </a:path>
+            </a:pathLst>
+          </a:custGeom>
+          <a:solidFill>
+            <a:schemeClr val="accent2"/>
+          </a:solidFill>
+          <a:ln w="127000">
+            <a:noFill/>
+          </a:ln>
+        </p:spPr>
+        <p:style>
+          <a:lnRef idx="2">
+            <a:schemeClr val="accent1">
+              <a:shade val="50000"/>
+            </a:schemeClr>
+          </a:lnRef>
+          <a:fillRef idx="1">
+            <a:schemeClr val="accent1"/>
+          </a:fillRef>
+          <a:effectRef idx="0">
+            <a:schemeClr val="accent1"/>
+          </a:effectRef>
+          <a:fontRef idx="minor">
+            <a:schemeClr val="lt1"/>
+          </a:fontRef>
+        </p:style>
+        <p:txBody>
+          <a:bodyPr wrap="square" rtlCol="0" anchor="ctr">
+            <a:noAutofit/>
+          </a:bodyPr>
+          <a:lstStyle/>
+          <a:p>
+            <a:pPr algn="ctr"/>
+            <a:endParaRPr lang="en-US"/>
+          </a:p>
+        </p:txBody>
+      </p:sp>
+      <p:sp>
+        <p:nvSpPr>
+          <p:cNvPr id="25" name="Freeform: Shape 24">
+            <a:extLst>
+              <a:ext uri="{FF2B5EF4-FFF2-40B4-BE49-F238E27FC236}">
+                <a16:creationId xmlns:a16="http://schemas.microsoft.com/office/drawing/2014/main" id="{7821A508-2985-4905-874A-527429BAABFA}"/>
+              </a:ext>
+              <a:ext uri="{C183D7F6-B498-43B3-948B-1728B52AA6E4}">
+                <adec:decorative xmlns:adec="http://schemas.microsoft.com/office/drawing/2017/decorative" val="1"/>
+              </a:ext>
+            </a:extLst>
+          </p:cNvPr>
+          <p:cNvSpPr>
+            <a:spLocks noGrp="1" noRot="1" noChangeAspect="1" noMove="1" noResize="1" noEditPoints="1" noAdjustHandles="1" noChangeArrowheads="1" noChangeShapeType="1" noTextEdit="1"/>
+          </p:cNvSpPr>
+          <p:nvPr>
+            <p:extLst>
+              <p:ext uri="{386F3935-93C4-4BCD-93E2-E3B085C9AB24}">
+                <p16:designElem xmlns:p16="http://schemas.microsoft.com/office/powerpoint/2015/main" val="1"/>
+              </p:ext>
+            </p:extLst>
+          </p:nvPr>
+        </p:nvSpPr>
+        <p:spPr>
+          <a:xfrm flipH="1">
+            <a:off x="0" y="5835649"/>
+            <a:ext cx="1548180" cy="1022351"/>
+          </a:xfrm>
+          <a:custGeom>
+            <a:avLst/>
+            <a:gdLst>
+              <a:gd name="connsiteX0" fmla="*/ 61913 w 1548180"/>
+              <a:gd name="connsiteY0" fmla="*/ 0 h 1022351"/>
+              <a:gd name="connsiteX1" fmla="*/ 1548180 w 1548180"/>
+              <a:gd name="connsiteY1" fmla="*/ 0 h 1022351"/>
+              <a:gd name="connsiteX2" fmla="*/ 1548180 w 1548180"/>
+              <a:gd name="connsiteY2" fmla="*/ 123825 h 1022351"/>
+              <a:gd name="connsiteX3" fmla="*/ 123825 w 1548180"/>
+              <a:gd name="connsiteY3" fmla="*/ 123825 h 1022351"/>
+              <a:gd name="connsiteX4" fmla="*/ 123825 w 1548180"/>
+              <a:gd name="connsiteY4" fmla="*/ 1022351 h 1022351"/>
+              <a:gd name="connsiteX5" fmla="*/ 0 w 1548180"/>
+              <a:gd name="connsiteY5" fmla="*/ 1022351 h 1022351"/>
+              <a:gd name="connsiteX6" fmla="*/ 0 w 1548180"/>
+              <a:gd name="connsiteY6" fmla="*/ 61913 h 1022351"/>
+              <a:gd name="connsiteX7" fmla="*/ 61913 w 1548180"/>
+              <a:gd name="connsiteY7" fmla="*/ 0 h 1022351"/>
+            </a:gdLst>
+            <a:ahLst/>
+            <a:cxnLst>
+              <a:cxn ang="0">
+                <a:pos x="connsiteX0" y="connsiteY0"/>
+              </a:cxn>
+              <a:cxn ang="0">
+                <a:pos x="connsiteX1" y="connsiteY1"/>
+              </a:cxn>
+              <a:cxn ang="0">
+                <a:pos x="connsiteX2" y="connsiteY2"/>
+              </a:cxn>
+              <a:cxn ang="0">
+                <a:pos x="connsiteX3" y="connsiteY3"/>
+              </a:cxn>
+              <a:cxn ang="0">
+                <a:pos x="connsiteX4" y="connsiteY4"/>
+              </a:cxn>
+              <a:cxn ang="0">
+                <a:pos x="connsiteX5" y="connsiteY5"/>
+              </a:cxn>
+              <a:cxn ang="0">
+                <a:pos x="connsiteX6" y="connsiteY6"/>
+              </a:cxn>
+              <a:cxn ang="0">
+                <a:pos x="connsiteX7" y="connsiteY7"/>
+              </a:cxn>
+            </a:cxnLst>
+            <a:rect l="l" t="t" r="r" b="b"/>
+            <a:pathLst>
+              <a:path w="1548180" h="1022351">
+                <a:moveTo>
+                  <a:pt x="61913" y="0"/>
+                </a:moveTo>
+                <a:lnTo>
+                  <a:pt x="1548180" y="0"/>
+                </a:lnTo>
+                <a:lnTo>
+                  <a:pt x="1548180" y="123825"/>
+                </a:lnTo>
+                <a:lnTo>
+                  <a:pt x="123825" y="123825"/>
+                </a:lnTo>
+                <a:lnTo>
+                  <a:pt x="123825" y="1022351"/>
+                </a:lnTo>
+                <a:lnTo>
+                  <a:pt x="0" y="1022351"/>
+                </a:lnTo>
+                <a:lnTo>
+                  <a:pt x="0" y="61913"/>
+                </a:lnTo>
+                <a:cubicBezTo>
+                  <a:pt x="0" y="27719"/>
+                  <a:pt x="27719" y="0"/>
+                  <a:pt x="61913" y="0"/>
+                </a:cubicBezTo>
+                <a:close/>
+              </a:path>
+            </a:pathLst>
+          </a:custGeom>
+          <a:solidFill>
+            <a:schemeClr val="accent6"/>
+          </a:solidFill>
+          <a:ln w="9525" cap="flat">
+            <a:noFill/>
+            <a:prstDash val="solid"/>
+            <a:miter/>
+          </a:ln>
+        </p:spPr>
+        <p:txBody>
+          <a:bodyPr rtlCol="0" anchor="ctr"/>
+          <a:lstStyle/>
+          <a:p>
+            <a:endParaRPr lang="en-US"/>
+          </a:p>
+        </p:txBody>
+      </p:sp>
+      <p:sp>
+        <p:nvSpPr>
+          <p:cNvPr id="27" name="Freeform: Shape 26">
+            <a:extLst>
+              <a:ext uri="{FF2B5EF4-FFF2-40B4-BE49-F238E27FC236}">
+                <a16:creationId xmlns:a16="http://schemas.microsoft.com/office/drawing/2014/main" id="{D2929CB1-0E3C-4B2D-ADC5-0154FB33BA44}"/>
+              </a:ext>
+              <a:ext uri="{C183D7F6-B498-43B3-948B-1728B52AA6E4}">
+                <adec:decorative xmlns:adec="http://schemas.microsoft.com/office/drawing/2017/decorative" val="1"/>
+              </a:ext>
+            </a:extLst>
+          </p:cNvPr>
+          <p:cNvSpPr>
+            <a:spLocks noGrp="1" noRot="1" noChangeAspect="1" noMove="1" noResize="1" noEditPoints="1" noAdjustHandles="1" noChangeArrowheads="1" noChangeShapeType="1" noTextEdit="1"/>
+          </p:cNvSpPr>
+          <p:nvPr>
+            <p:extLst>
+              <p:ext uri="{386F3935-93C4-4BCD-93E2-E3B085C9AB24}">
+                <p16:designElem xmlns:p16="http://schemas.microsoft.com/office/powerpoint/2015/main" val="1"/>
+              </p:ext>
+            </p:extLst>
+          </p:nvPr>
+        </p:nvSpPr>
+        <p:spPr>
+          <a:xfrm flipH="1">
+            <a:off x="3697761" y="5717906"/>
+            <a:ext cx="1771609" cy="1140095"/>
+          </a:xfrm>
+          <a:custGeom>
+            <a:avLst/>
+            <a:gdLst>
+              <a:gd name="connsiteX0" fmla="*/ 1561721 w 1771609"/>
+              <a:gd name="connsiteY0" fmla="*/ 763041 h 1140095"/>
+              <a:gd name="connsiteX1" fmla="*/ 1623024 w 1771609"/>
+              <a:gd name="connsiteY1" fmla="*/ 792810 h 1140095"/>
+              <a:gd name="connsiteX2" fmla="*/ 1711735 w 1771609"/>
+              <a:gd name="connsiteY2" fmla="*/ 970132 h 1140095"/>
+              <a:gd name="connsiteX3" fmla="*/ 1771609 w 1771609"/>
+              <a:gd name="connsiteY3" fmla="*/ 1140095 h 1140095"/>
+              <a:gd name="connsiteX4" fmla="*/ 1637225 w 1771609"/>
+              <a:gd name="connsiteY4" fmla="*/ 1140095 h 1140095"/>
+              <a:gd name="connsiteX5" fmla="*/ 1594820 w 1771609"/>
+              <a:gd name="connsiteY5" fmla="*/ 1019711 h 1140095"/>
+              <a:gd name="connsiteX6" fmla="*/ 1513200 w 1771609"/>
+              <a:gd name="connsiteY6" fmla="*/ 856627 h 1140095"/>
+              <a:gd name="connsiteX7" fmla="*/ 1538499 w 1771609"/>
+              <a:gd name="connsiteY7" fmla="*/ 770415 h 1140095"/>
+              <a:gd name="connsiteX8" fmla="*/ 1561721 w 1771609"/>
+              <a:gd name="connsiteY8" fmla="*/ 763041 h 1140095"/>
+              <a:gd name="connsiteX9" fmla="*/ 933455 w 1771609"/>
+              <a:gd name="connsiteY9" fmla="*/ 161309 h 1140095"/>
+              <a:gd name="connsiteX10" fmla="*/ 957797 w 1771609"/>
+              <a:gd name="connsiteY10" fmla="*/ 167970 h 1140095"/>
+              <a:gd name="connsiteX11" fmla="*/ 1286982 w 1771609"/>
+              <a:gd name="connsiteY11" fmla="*/ 387616 h 1140095"/>
+              <a:gd name="connsiteX12" fmla="*/ 1293725 w 1771609"/>
+              <a:gd name="connsiteY12" fmla="*/ 477075 h 1140095"/>
+              <a:gd name="connsiteX13" fmla="*/ 1245453 w 1771609"/>
+              <a:gd name="connsiteY13" fmla="*/ 499154 h 1140095"/>
+              <a:gd name="connsiteX14" fmla="*/ 1245167 w 1771609"/>
+              <a:gd name="connsiteY14" fmla="*/ 499154 h 1140095"/>
+              <a:gd name="connsiteX15" fmla="*/ 1203638 w 1771609"/>
+              <a:gd name="connsiteY15" fmla="*/ 484104 h 1140095"/>
+              <a:gd name="connsiteX16" fmla="*/ 900647 w 1771609"/>
+              <a:gd name="connsiteY16" fmla="*/ 281508 h 1140095"/>
+              <a:gd name="connsiteX17" fmla="*/ 872454 w 1771609"/>
+              <a:gd name="connsiteY17" fmla="*/ 196164 h 1140095"/>
+              <a:gd name="connsiteX18" fmla="*/ 933455 w 1771609"/>
+              <a:gd name="connsiteY18" fmla="*/ 161309 h 1140095"/>
+              <a:gd name="connsiteX19" fmla="*/ 256260 w 1771609"/>
+              <a:gd name="connsiteY19" fmla="*/ 29 h 1140095"/>
+              <a:gd name="connsiteX20" fmla="*/ 454020 w 1771609"/>
+              <a:gd name="connsiteY20" fmla="*/ 13474 h 1140095"/>
+              <a:gd name="connsiteX21" fmla="*/ 509236 w 1771609"/>
+              <a:gd name="connsiteY21" fmla="*/ 84182 h 1140095"/>
+              <a:gd name="connsiteX22" fmla="*/ 445829 w 1771609"/>
+              <a:gd name="connsiteY22" fmla="*/ 139871 h 1140095"/>
+              <a:gd name="connsiteX23" fmla="*/ 437447 w 1771609"/>
+              <a:gd name="connsiteY23" fmla="*/ 139395 h 1140095"/>
+              <a:gd name="connsiteX24" fmla="*/ 73211 w 1771609"/>
+              <a:gd name="connsiteY24" fmla="*/ 137204 h 1140095"/>
+              <a:gd name="connsiteX25" fmla="*/ 749 w 1771609"/>
+              <a:gd name="connsiteY25" fmla="*/ 84082 h 1140095"/>
+              <a:gd name="connsiteX26" fmla="*/ 53871 w 1771609"/>
+              <a:gd name="connsiteY26" fmla="*/ 11621 h 1140095"/>
+              <a:gd name="connsiteX27" fmla="*/ 58352 w 1771609"/>
+              <a:gd name="connsiteY27" fmla="*/ 11093 h 1140095"/>
+              <a:gd name="connsiteX28" fmla="*/ 256260 w 1771609"/>
+              <a:gd name="connsiteY28" fmla="*/ 29 h 1140095"/>
+            </a:gdLst>
+            <a:ahLst/>
+            <a:cxnLst>
+              <a:cxn ang="0">
+                <a:pos x="connsiteX0" y="connsiteY0"/>
+              </a:cxn>
+              <a:cxn ang="0">
+                <a:pos x="connsiteX1" y="connsiteY1"/>
+              </a:cxn>
+              <a:cxn ang="0">
+                <a:pos x="connsiteX2" y="connsiteY2"/>
+              </a:cxn>
+              <a:cxn ang="0">
+                <a:pos x="connsiteX3" y="connsiteY3"/>
+              </a:cxn>
+              <a:cxn ang="0">
+                <a:pos x="connsiteX4" y="connsiteY4"/>
+              </a:cxn>
+              <a:cxn ang="0">
+                <a:pos x="connsiteX5" y="connsiteY5"/>
+              </a:cxn>
+              <a:cxn ang="0">
+                <a:pos x="connsiteX6" y="connsiteY6"/>
+              </a:cxn>
+              <a:cxn ang="0">
+                <a:pos x="connsiteX7" y="connsiteY7"/>
+              </a:cxn>
+              <a:cxn ang="0">
+                <a:pos x="connsiteX8" y="connsiteY8"/>
+              </a:cxn>
+              <a:cxn ang="0">
+                <a:pos x="connsiteX9" y="connsiteY9"/>
+              </a:cxn>
+              <a:cxn ang="0">
+                <a:pos x="connsiteX10" y="connsiteY10"/>
+              </a:cxn>
+              <a:cxn ang="0">
+                <a:pos x="connsiteX11" y="connsiteY11"/>
+              </a:cxn>
+              <a:cxn ang="0">
+                <a:pos x="connsiteX12" y="connsiteY12"/>
+              </a:cxn>
+              <a:cxn ang="0">
+                <a:pos x="connsiteX13" y="connsiteY13"/>
+              </a:cxn>
+              <a:cxn ang="0">
+                <a:pos x="connsiteX14" y="connsiteY14"/>
+              </a:cxn>
+              <a:cxn ang="0">
+                <a:pos x="connsiteX15" y="connsiteY15"/>
+              </a:cxn>
+              <a:cxn ang="0">
+                <a:pos x="connsiteX16" y="connsiteY16"/>
+              </a:cxn>
+              <a:cxn ang="0">
+                <a:pos x="connsiteX17" y="connsiteY17"/>
+              </a:cxn>
+              <a:cxn ang="0">
+                <a:pos x="connsiteX18" y="connsiteY18"/>
+              </a:cxn>
+              <a:cxn ang="0">
+                <a:pos x="connsiteX19" y="connsiteY19"/>
+              </a:cxn>
+              <a:cxn ang="0">
+                <a:pos x="connsiteX20" y="connsiteY20"/>
+              </a:cxn>
+              <a:cxn ang="0">
+                <a:pos x="connsiteX21" y="connsiteY21"/>
+              </a:cxn>
+              <a:cxn ang="0">
+                <a:pos x="connsiteX22" y="connsiteY22"/>
+              </a:cxn>
+              <a:cxn ang="0">
+                <a:pos x="connsiteX23" y="connsiteY23"/>
+              </a:cxn>
+              <a:cxn ang="0">
+                <a:pos x="connsiteX24" y="connsiteY24"/>
+              </a:cxn>
+              <a:cxn ang="0">
+                <a:pos x="connsiteX25" y="connsiteY25"/>
+              </a:cxn>
+              <a:cxn ang="0">
+                <a:pos x="connsiteX26" y="connsiteY26"/>
+              </a:cxn>
+              <a:cxn ang="0">
+                <a:pos x="connsiteX27" y="connsiteY27"/>
+              </a:cxn>
+              <a:cxn ang="0">
+                <a:pos x="connsiteX28" y="connsiteY28"/>
+              </a:cxn>
+            </a:cxnLst>
+            <a:rect l="l" t="t" r="r" b="b"/>
+            <a:pathLst>
+              <a:path w="1771609" h="1140095">
+                <a:moveTo>
+                  <a:pt x="1561721" y="763041"/>
+                </a:moveTo>
+                <a:cubicBezTo>
+                  <a:pt x="1585506" y="760324"/>
+                  <a:pt x="1609722" y="771249"/>
+                  <a:pt x="1623024" y="792810"/>
+                </a:cubicBezTo>
+                <a:cubicBezTo>
+                  <a:pt x="1656300" y="850065"/>
+                  <a:pt x="1685920" y="909291"/>
+                  <a:pt x="1711735" y="970132"/>
+                </a:cubicBezTo>
+                <a:lnTo>
+                  <a:pt x="1771609" y="1140095"/>
+                </a:lnTo>
+                <a:lnTo>
+                  <a:pt x="1637225" y="1140095"/>
+                </a:lnTo>
+                <a:lnTo>
+                  <a:pt x="1594820" y="1019711"/>
+                </a:lnTo>
+                <a:cubicBezTo>
+                  <a:pt x="1571072" y="963753"/>
+                  <a:pt x="1543818" y="909282"/>
+                  <a:pt x="1513200" y="856627"/>
+                </a:cubicBezTo>
+                <a:cubicBezTo>
+                  <a:pt x="1496379" y="825834"/>
+                  <a:pt x="1507704" y="787236"/>
+                  <a:pt x="1538499" y="770415"/>
+                </a:cubicBezTo>
+                <a:cubicBezTo>
+                  <a:pt x="1545912" y="766367"/>
+                  <a:pt x="1553792" y="763946"/>
+                  <a:pt x="1561721" y="763041"/>
+                </a:cubicBezTo>
+                <a:close/>
+                <a:moveTo>
+                  <a:pt x="933455" y="161309"/>
+                </a:moveTo>
+                <a:cubicBezTo>
+                  <a:pt x="941693" y="161855"/>
+                  <a:pt x="949959" y="164025"/>
+                  <a:pt x="957797" y="167970"/>
+                </a:cubicBezTo>
+                <a:cubicBezTo>
+                  <a:pt x="1076184" y="227289"/>
+                  <a:pt x="1186759" y="301068"/>
+                  <a:pt x="1286982" y="387616"/>
+                </a:cubicBezTo>
+                <a:cubicBezTo>
+                  <a:pt x="1313547" y="410457"/>
+                  <a:pt x="1316566" y="450510"/>
+                  <a:pt x="1293725" y="477075"/>
+                </a:cubicBezTo>
+                <a:cubicBezTo>
+                  <a:pt x="1281638" y="491137"/>
+                  <a:pt x="1263998" y="499204"/>
+                  <a:pt x="1245453" y="499154"/>
+                </a:cubicBezTo>
+                <a:lnTo>
+                  <a:pt x="1245167" y="499154"/>
+                </a:lnTo>
+                <a:cubicBezTo>
+                  <a:pt x="1229965" y="499301"/>
+                  <a:pt x="1215220" y="493956"/>
+                  <a:pt x="1203638" y="484104"/>
+                </a:cubicBezTo>
+                <a:cubicBezTo>
+                  <a:pt x="1111407" y="404300"/>
+                  <a:pt x="1009633" y="336248"/>
+                  <a:pt x="900647" y="281508"/>
+                </a:cubicBezTo>
+                <a:cubicBezTo>
+                  <a:pt x="869295" y="265726"/>
+                  <a:pt x="856672" y="227516"/>
+                  <a:pt x="872454" y="196164"/>
+                </a:cubicBezTo>
+                <a:cubicBezTo>
+                  <a:pt x="884290" y="172650"/>
+                  <a:pt x="908742" y="159670"/>
+                  <a:pt x="933455" y="161309"/>
+                </a:cubicBezTo>
+                <a:close/>
+                <a:moveTo>
+                  <a:pt x="256260" y="29"/>
+                </a:moveTo>
+                <a:cubicBezTo>
+                  <a:pt x="322331" y="427"/>
+                  <a:pt x="388378" y="4909"/>
+                  <a:pt x="454020" y="13474"/>
+                </a:cubicBezTo>
+                <a:cubicBezTo>
+                  <a:pt x="488793" y="17752"/>
+                  <a:pt x="513514" y="49409"/>
+                  <a:pt x="509236" y="84182"/>
+                </a:cubicBezTo>
+                <a:cubicBezTo>
+                  <a:pt x="505303" y="116151"/>
+                  <a:pt x="478038" y="140098"/>
+                  <a:pt x="445829" y="139871"/>
+                </a:cubicBezTo>
+                <a:cubicBezTo>
+                  <a:pt x="443027" y="139899"/>
+                  <a:pt x="440227" y="139740"/>
+                  <a:pt x="437447" y="139395"/>
+                </a:cubicBezTo>
+                <a:cubicBezTo>
+                  <a:pt x="316592" y="123615"/>
+                  <a:pt x="194247" y="122878"/>
+                  <a:pt x="73211" y="137204"/>
+                </a:cubicBezTo>
+                <a:cubicBezTo>
+                  <a:pt x="38532" y="142545"/>
+                  <a:pt x="6090" y="118762"/>
+                  <a:pt x="749" y="84082"/>
+                </a:cubicBezTo>
+                <a:cubicBezTo>
+                  <a:pt x="-4591" y="49403"/>
+                  <a:pt x="19192" y="16961"/>
+                  <a:pt x="53871" y="11621"/>
+                </a:cubicBezTo>
+                <a:cubicBezTo>
+                  <a:pt x="55358" y="11392"/>
+                  <a:pt x="56852" y="11216"/>
+                  <a:pt x="58352" y="11093"/>
+                </a:cubicBezTo>
+                <a:cubicBezTo>
+                  <a:pt x="124093" y="3319"/>
+                  <a:pt x="190189" y="-369"/>
+                  <a:pt x="256260" y="29"/>
+                </a:cubicBezTo>
+                <a:close/>
+              </a:path>
+            </a:pathLst>
+          </a:custGeom>
+          <a:solidFill>
+            <a:schemeClr val="accent4"/>
+          </a:solidFill>
+          <a:ln w="9525" cap="flat">
+            <a:noFill/>
+            <a:prstDash val="solid"/>
+            <a:miter/>
+          </a:ln>
+        </p:spPr>
+        <p:txBody>
+          <a:bodyPr rtlCol="0" anchor="ctr"/>
+          <a:lstStyle/>
+          <a:p>
+            <a:endParaRPr lang="en-US"/>
+          </a:p>
+        </p:txBody>
+      </p:sp>
+      <p:pic>
+        <p:nvPicPr>
+          <p:cNvPr id="6" name="Picture 5" descr="A person wearing glasses&#10;&#10;Description automatically generated with medium confidence">
+            <a:extLst>
+              <a:ext uri="{FF2B5EF4-FFF2-40B4-BE49-F238E27FC236}">
+                <a16:creationId xmlns:a16="http://schemas.microsoft.com/office/drawing/2014/main" id="{774A3E81-4390-E081-5EB8-BD11171CD9AB}"/>
+              </a:ext>
+            </a:extLst>
+          </p:cNvPr>
+          <p:cNvPicPr>
+            <a:picLocks noChangeAspect="1"/>
+          </p:cNvPicPr>
+          <p:nvPr/>
+        </p:nvPicPr>
+        <p:blipFill rotWithShape="1">
+          <a:blip r:embed="rId2">
+            <a:extLst>
+              <a:ext uri="{28A0092B-C50C-407E-A947-70E740481C1C}">
+                <a14:useLocalDpi xmlns:a14="http://schemas.microsoft.com/office/drawing/2010/main" val="0"/>
+              </a:ext>
+            </a:extLst>
+          </a:blip>
+          <a:srcRect r="3" b="3"/>
+          <a:stretch/>
+        </p:blipFill>
         <p:spPr>
           <a:xfrm>
-            <a:off x="4976030" y="963507"/>
-            <a:ext cx="6250940" cy="2304627"/>
+            <a:off x="631840" y="598720"/>
+            <a:ext cx="5178249" cy="5178249"/>
           </a:xfrm>
+          <a:custGeom>
+            <a:avLst/>
+            <a:gdLst/>
+            <a:ahLst/>
+            <a:cxnLst/>
+            <a:rect l="l" t="t" r="r" b="b"/>
+            <a:pathLst>
+              <a:path w="3741748" h="3741748">
+                <a:moveTo>
+                  <a:pt x="1870874" y="0"/>
+                </a:moveTo>
+                <a:cubicBezTo>
+                  <a:pt x="2904129" y="0"/>
+                  <a:pt x="3741748" y="837619"/>
+                  <a:pt x="3741748" y="1870874"/>
+                </a:cubicBezTo>
+                <a:cubicBezTo>
+                  <a:pt x="3741748" y="2904129"/>
+                  <a:pt x="2904129" y="3741748"/>
+                  <a:pt x="1870874" y="3741748"/>
+                </a:cubicBezTo>
+                <a:cubicBezTo>
+                  <a:pt x="837619" y="3741748"/>
+                  <a:pt x="0" y="2904129"/>
+                  <a:pt x="0" y="1870874"/>
+                </a:cubicBezTo>
+                <a:cubicBezTo>
+                  <a:pt x="0" y="837619"/>
+                  <a:pt x="837619" y="0"/>
+                  <a:pt x="1870874" y="0"/>
+                </a:cubicBezTo>
+                <a:close/>
+              </a:path>
+            </a:pathLst>
+          </a:custGeom>
         </p:spPr>
-        <p:txBody>
-          <a:bodyPr vert="horz" lIns="91440" tIns="45720" rIns="91440" bIns="45720" rtlCol="0" anchor="b">
-            <a:normAutofit/>
+      </p:pic>
+      <p:sp>
+        <p:nvSpPr>
+          <p:cNvPr id="29" name="Freeform: Shape 28">
+            <a:extLst>
+              <a:ext uri="{FF2B5EF4-FFF2-40B4-BE49-F238E27FC236}">
+                <a16:creationId xmlns:a16="http://schemas.microsoft.com/office/drawing/2014/main" id="{5F2F0C84-BE8C-4DC2-A6D3-30349A801D5C}"/>
+              </a:ext>
+              <a:ext uri="{C183D7F6-B498-43B3-948B-1728B52AA6E4}">
+                <adec:decorative xmlns:adec="http://schemas.microsoft.com/office/drawing/2017/decorative" val="1"/>
+              </a:ext>
+            </a:extLst>
+          </p:cNvPr>
+          <p:cNvSpPr>
+            <a:spLocks noGrp="1" noRot="1" noChangeAspect="1" noMove="1" noResize="1" noEditPoints="1" noAdjustHandles="1" noChangeArrowheads="1" noChangeShapeType="1" noTextEdit="1"/>
+          </p:cNvSpPr>
+          <p:nvPr>
+            <p:extLst>
+              <p:ext uri="{386F3935-93C4-4BCD-93E2-E3B085C9AB24}">
+                <p16:designElem xmlns:p16="http://schemas.microsoft.com/office/powerpoint/2015/main" val="1"/>
+              </p:ext>
+            </p:extLst>
+          </p:nvPr>
+        </p:nvSpPr>
+        <p:spPr>
+          <a:xfrm flipH="1">
+            <a:off x="4520513" y="6258756"/>
+            <a:ext cx="1565940" cy="599245"/>
+          </a:xfrm>
+          <a:custGeom>
+            <a:avLst/>
+            <a:gdLst>
+              <a:gd name="connsiteX0" fmla="*/ 782970 w 1565940"/>
+              <a:gd name="connsiteY0" fmla="*/ 0 h 599245"/>
+              <a:gd name="connsiteX1" fmla="*/ 1528042 w 1565940"/>
+              <a:gd name="connsiteY1" fmla="*/ 480469 h 599245"/>
+              <a:gd name="connsiteX2" fmla="*/ 1565940 w 1565940"/>
+              <a:gd name="connsiteY2" fmla="*/ 599245 h 599245"/>
+              <a:gd name="connsiteX3" fmla="*/ 0 w 1565940"/>
+              <a:gd name="connsiteY3" fmla="*/ 599245 h 599245"/>
+              <a:gd name="connsiteX4" fmla="*/ 37898 w 1565940"/>
+              <a:gd name="connsiteY4" fmla="*/ 480469 h 599245"/>
+              <a:gd name="connsiteX5" fmla="*/ 782970 w 1565940"/>
+              <a:gd name="connsiteY5" fmla="*/ 0 h 599245"/>
+            </a:gdLst>
+            <a:ahLst/>
+            <a:cxnLst>
+              <a:cxn ang="0">
+                <a:pos x="connsiteX0" y="connsiteY0"/>
+              </a:cxn>
+              <a:cxn ang="0">
+                <a:pos x="connsiteX1" y="connsiteY1"/>
+              </a:cxn>
+              <a:cxn ang="0">
+                <a:pos x="connsiteX2" y="connsiteY2"/>
+              </a:cxn>
+              <a:cxn ang="0">
+                <a:pos x="connsiteX3" y="connsiteY3"/>
+              </a:cxn>
+              <a:cxn ang="0">
+                <a:pos x="connsiteX4" y="connsiteY4"/>
+              </a:cxn>
+              <a:cxn ang="0">
+                <a:pos x="connsiteX5" y="connsiteY5"/>
+              </a:cxn>
+            </a:cxnLst>
+            <a:rect l="l" t="t" r="r" b="b"/>
+            <a:pathLst>
+              <a:path w="1565940" h="599245">
+                <a:moveTo>
+                  <a:pt x="782970" y="0"/>
+                </a:moveTo>
+                <a:cubicBezTo>
+                  <a:pt x="1117910" y="0"/>
+                  <a:pt x="1405287" y="198118"/>
+                  <a:pt x="1528042" y="480469"/>
+                </a:cubicBezTo>
+                <a:lnTo>
+                  <a:pt x="1565940" y="599245"/>
+                </a:lnTo>
+                <a:lnTo>
+                  <a:pt x="0" y="599245"/>
+                </a:lnTo>
+                <a:lnTo>
+                  <a:pt x="37898" y="480469"/>
+                </a:lnTo>
+                <a:cubicBezTo>
+                  <a:pt x="160653" y="198118"/>
+                  <a:pt x="448030" y="0"/>
+                  <a:pt x="782970" y="0"/>
+                </a:cubicBezTo>
+                <a:close/>
+              </a:path>
+            </a:pathLst>
+          </a:custGeom>
+          <a:solidFill>
+            <a:schemeClr val="accent2"/>
+          </a:solidFill>
+          <a:ln>
+            <a:noFill/>
+          </a:ln>
+        </p:spPr>
+        <p:style>
+          <a:lnRef idx="2">
+            <a:schemeClr val="accent1">
+              <a:shade val="50000"/>
+            </a:schemeClr>
+          </a:lnRef>
+          <a:fillRef idx="1">
+            <a:schemeClr val="accent1"/>
+          </a:fillRef>
+          <a:effectRef idx="0">
+            <a:schemeClr val="accent1"/>
+          </a:effectRef>
+          <a:fontRef idx="minor">
+            <a:schemeClr val="lt1"/>
+          </a:fontRef>
+        </p:style>
+        <p:txBody>
+          <a:bodyPr wrap="square" rtlCol="0" anchor="ctr">
+            <a:noAutofit/>
           </a:bodyPr>
           <a:lstStyle/>
           <a:p>
-            <a:pPr indent="-228600" algn="l">
-              <a:buFont typeface="Arial" panose="020B0604020202020204" pitchFamily="34" charset="0"/>
-              <a:buChar char="•"/>
-            </a:pPr>
-            <a:r>
-              <a:rPr lang="en-US" sz="2000"/>
-              <a:t>Wriju Ghosh, </a:t>
-            </a:r>
-          </a:p>
-          <a:p>
-            <a:pPr indent="-228600" algn="l">
-              <a:buFont typeface="Arial" panose="020B0604020202020204" pitchFamily="34" charset="0"/>
-              <a:buChar char="•"/>
-            </a:pPr>
-            <a:r>
-              <a:rPr lang="en-US" sz="2000"/>
-              <a:t>Cloud Solution Architect</a:t>
-            </a:r>
-          </a:p>
-          <a:p>
-            <a:pPr indent="-228600" algn="l">
-              <a:buFont typeface="Arial" panose="020B0604020202020204" pitchFamily="34" charset="0"/>
-              <a:buChar char="•"/>
-            </a:pPr>
-            <a:r>
-              <a:rPr lang="en-US" sz="2000"/>
-              <a:t>@wrijugh</a:t>
-            </a:r>
+            <a:pPr algn="ctr"/>
+            <a:endParaRPr lang="en-US" dirty="0"/>
           </a:p>
         </p:txBody>
       </p:sp>
@@ -3640,8 +4881,8 @@
         </p:nvSpPr>
         <p:spPr>
           <a:xfrm>
-            <a:off x="4976030" y="3589866"/>
-            <a:ext cx="6250940" cy="2304628"/>
+            <a:off x="2069399" y="27675"/>
+            <a:ext cx="2171390" cy="378127"/>
           </a:xfrm>
           <a:prstGeom prst="rect">
             <a:avLst/>
@@ -3653,19 +4894,21 @@
           </a:bodyPr>
           <a:lstStyle/>
           <a:p>
-            <a:pPr indent="-228600">
+            <a:pPr>
               <a:lnSpc>
                 <a:spcPct val="90000"/>
               </a:lnSpc>
               <a:spcAft>
                 <a:spcPts val="600"/>
               </a:spcAft>
-              <a:buFont typeface="Arial" panose="020B0604020202020204" pitchFamily="34" charset="0"/>
-              <a:buChar char="•"/>
             </a:pPr>
             <a:r>
-              <a:rPr lang="en-US" sz="2000"/>
-              <a:t>#GlobalAzure2022</a:t>
+              <a:rPr lang="en-US" sz="2000" dirty="0"/>
+              <a:t>#</a:t>
+            </a:r>
+            <a:r>
+              <a:rPr lang="en-US" sz="2000" b="1" dirty="0"/>
+              <a:t>GlobalAzure2022</a:t>
             </a:r>
           </a:p>
         </p:txBody>
@@ -3710,10 +4953,10 @@
       </p:grpSpPr>
       <p:sp useBgFill="1">
         <p:nvSpPr>
-          <p:cNvPr id="10" name="Rectangle 9">
-            <a:extLst>
-              <a:ext uri="{FF2B5EF4-FFF2-40B4-BE49-F238E27FC236}">
-                <a16:creationId xmlns:a16="http://schemas.microsoft.com/office/drawing/2014/main" id="{594D6AA1-A0E1-45F9-8E25-BAB8092293CC}"/>
+          <p:cNvPr id="23" name="Rectangle 14">
+            <a:extLst>
+              <a:ext uri="{FF2B5EF4-FFF2-40B4-BE49-F238E27FC236}">
+                <a16:creationId xmlns:a16="http://schemas.microsoft.com/office/drawing/2014/main" id="{BCED4D40-4B67-4331-AC48-79B82B4A47D8}"/>
               </a:ext>
               <a:ext uri="{C183D7F6-B498-43B3-948B-1728B52AA6E4}">
                 <adec:decorative xmlns:adec="http://schemas.microsoft.com/office/drawing/2017/decorative" val="1"/>
@@ -3733,8 +4976,8 @@
         </p:nvSpPr>
         <p:spPr>
           <a:xfrm>
-            <a:off x="-1" y="0"/>
-            <a:ext cx="12188952" cy="6858000"/>
+            <a:off x="0" y="0"/>
+            <a:ext cx="12192000" cy="6858000"/>
           </a:xfrm>
           <a:prstGeom prst="rect">
             <a:avLst/>
@@ -3786,19 +5029,19 @@
         </p:nvSpPr>
         <p:spPr>
           <a:xfrm>
-            <a:off x="838199" y="557189"/>
-            <a:ext cx="10515599" cy="1296287"/>
+            <a:off x="638881" y="417576"/>
+            <a:ext cx="10909640" cy="1249394"/>
           </a:xfrm>
         </p:spPr>
         <p:txBody>
-          <a:bodyPr vert="horz" lIns="91440" tIns="45720" rIns="91440" bIns="45720" rtlCol="0" anchor="b">
+          <a:bodyPr vert="horz" lIns="91440" tIns="45720" rIns="91440" bIns="45720" rtlCol="0" anchor="ctr">
             <a:normAutofit/>
           </a:bodyPr>
           <a:lstStyle/>
           <a:p>
             <a:pPr algn="ctr"/>
             <a:r>
-              <a:rPr lang="en-US" sz="5200" strike="sngStrike" kern="1200" dirty="0">
+              <a:rPr lang="en-US" sz="6600" strike="sngStrike" kern="1200">
                 <a:solidFill>
                   <a:schemeClr val="tx1"/>
                 </a:solidFill>
@@ -3809,7 +5052,7 @@
               <a:t>Hosting</a:t>
             </a:r>
             <a:r>
-              <a:rPr lang="en-US" sz="5200" kern="1200" dirty="0">
+              <a:rPr lang="en-US" sz="6600" kern="1200">
                 <a:solidFill>
                   <a:schemeClr val="tx1"/>
                 </a:solidFill>
@@ -3819,6 +5062,349 @@
               </a:rPr>
               <a:t> Containers in Azure</a:t>
             </a:r>
+          </a:p>
+        </p:txBody>
+      </p:sp>
+      <p:sp>
+        <p:nvSpPr>
+          <p:cNvPr id="24" name="sketch line">
+            <a:extLst>
+              <a:ext uri="{FF2B5EF4-FFF2-40B4-BE49-F238E27FC236}">
+                <a16:creationId xmlns:a16="http://schemas.microsoft.com/office/drawing/2014/main" id="{670CEDEF-4F34-412E-84EE-329C1E936AF5}"/>
+              </a:ext>
+              <a:ext uri="{C183D7F6-B498-43B3-948B-1728B52AA6E4}">
+                <adec:decorative xmlns:adec="http://schemas.microsoft.com/office/drawing/2017/decorative" val="1"/>
+              </a:ext>
+            </a:extLst>
+          </p:cNvPr>
+          <p:cNvSpPr>
+            <a:spLocks noGrp="1" noRot="1" noChangeAspect="1" noMove="1" noResize="1" noEditPoints="1" noAdjustHandles="1" noChangeArrowheads="1" noChangeShapeType="1" noTextEdit="1"/>
+          </p:cNvSpPr>
+          <p:nvPr>
+            <p:extLst>
+              <p:ext uri="{386F3935-93C4-4BCD-93E2-E3B085C9AB24}">
+                <p16:designElem xmlns:p16="http://schemas.microsoft.com/office/powerpoint/2015/main" val="1"/>
+              </p:ext>
+            </p:extLst>
+          </p:nvPr>
+        </p:nvSpPr>
+        <p:spPr>
+          <a:xfrm>
+            <a:off x="3807702" y="1733454"/>
+            <a:ext cx="4572000" cy="18288"/>
+          </a:xfrm>
+          <a:custGeom>
+            <a:avLst/>
+            <a:gdLst>
+              <a:gd name="connsiteX0" fmla="*/ 0 w 4572000"/>
+              <a:gd name="connsiteY0" fmla="*/ 0 h 18288"/>
+              <a:gd name="connsiteX1" fmla="*/ 515983 w 4572000"/>
+              <a:gd name="connsiteY1" fmla="*/ 0 h 18288"/>
+              <a:gd name="connsiteX2" fmla="*/ 1031966 w 4572000"/>
+              <a:gd name="connsiteY2" fmla="*/ 0 h 18288"/>
+              <a:gd name="connsiteX3" fmla="*/ 1639389 w 4572000"/>
+              <a:gd name="connsiteY3" fmla="*/ 0 h 18288"/>
+              <a:gd name="connsiteX4" fmla="*/ 2383971 w 4572000"/>
+              <a:gd name="connsiteY4" fmla="*/ 0 h 18288"/>
+              <a:gd name="connsiteX5" fmla="*/ 2945674 w 4572000"/>
+              <a:gd name="connsiteY5" fmla="*/ 0 h 18288"/>
+              <a:gd name="connsiteX6" fmla="*/ 3507377 w 4572000"/>
+              <a:gd name="connsiteY6" fmla="*/ 0 h 18288"/>
+              <a:gd name="connsiteX7" fmla="*/ 4572000 w 4572000"/>
+              <a:gd name="connsiteY7" fmla="*/ 0 h 18288"/>
+              <a:gd name="connsiteX8" fmla="*/ 4572000 w 4572000"/>
+              <a:gd name="connsiteY8" fmla="*/ 18288 h 18288"/>
+              <a:gd name="connsiteX9" fmla="*/ 3873137 w 4572000"/>
+              <a:gd name="connsiteY9" fmla="*/ 18288 h 18288"/>
+              <a:gd name="connsiteX10" fmla="*/ 3311434 w 4572000"/>
+              <a:gd name="connsiteY10" fmla="*/ 18288 h 18288"/>
+              <a:gd name="connsiteX11" fmla="*/ 2749731 w 4572000"/>
+              <a:gd name="connsiteY11" fmla="*/ 18288 h 18288"/>
+              <a:gd name="connsiteX12" fmla="*/ 2050869 w 4572000"/>
+              <a:gd name="connsiteY12" fmla="*/ 18288 h 18288"/>
+              <a:gd name="connsiteX13" fmla="*/ 1306286 w 4572000"/>
+              <a:gd name="connsiteY13" fmla="*/ 18288 h 18288"/>
+              <a:gd name="connsiteX14" fmla="*/ 790303 w 4572000"/>
+              <a:gd name="connsiteY14" fmla="*/ 18288 h 18288"/>
+              <a:gd name="connsiteX15" fmla="*/ 0 w 4572000"/>
+              <a:gd name="connsiteY15" fmla="*/ 18288 h 18288"/>
+              <a:gd name="connsiteX16" fmla="*/ 0 w 4572000"/>
+              <a:gd name="connsiteY16" fmla="*/ 0 h 18288"/>
+            </a:gdLst>
+            <a:ahLst/>
+            <a:cxnLst>
+              <a:cxn ang="0">
+                <a:pos x="connsiteX0" y="connsiteY0"/>
+              </a:cxn>
+              <a:cxn ang="0">
+                <a:pos x="connsiteX1" y="connsiteY1"/>
+              </a:cxn>
+              <a:cxn ang="0">
+                <a:pos x="connsiteX2" y="connsiteY2"/>
+              </a:cxn>
+              <a:cxn ang="0">
+                <a:pos x="connsiteX3" y="connsiteY3"/>
+              </a:cxn>
+              <a:cxn ang="0">
+                <a:pos x="connsiteX4" y="connsiteY4"/>
+              </a:cxn>
+              <a:cxn ang="0">
+                <a:pos x="connsiteX5" y="connsiteY5"/>
+              </a:cxn>
+              <a:cxn ang="0">
+                <a:pos x="connsiteX6" y="connsiteY6"/>
+              </a:cxn>
+              <a:cxn ang="0">
+                <a:pos x="connsiteX7" y="connsiteY7"/>
+              </a:cxn>
+              <a:cxn ang="0">
+                <a:pos x="connsiteX8" y="connsiteY8"/>
+              </a:cxn>
+              <a:cxn ang="0">
+                <a:pos x="connsiteX9" y="connsiteY9"/>
+              </a:cxn>
+              <a:cxn ang="0">
+                <a:pos x="connsiteX10" y="connsiteY10"/>
+              </a:cxn>
+              <a:cxn ang="0">
+                <a:pos x="connsiteX11" y="connsiteY11"/>
+              </a:cxn>
+              <a:cxn ang="0">
+                <a:pos x="connsiteX12" y="connsiteY12"/>
+              </a:cxn>
+              <a:cxn ang="0">
+                <a:pos x="connsiteX13" y="connsiteY13"/>
+              </a:cxn>
+              <a:cxn ang="0">
+                <a:pos x="connsiteX14" y="connsiteY14"/>
+              </a:cxn>
+              <a:cxn ang="0">
+                <a:pos x="connsiteX15" y="connsiteY15"/>
+              </a:cxn>
+              <a:cxn ang="0">
+                <a:pos x="connsiteX16" y="connsiteY16"/>
+              </a:cxn>
+            </a:cxnLst>
+            <a:rect l="l" t="t" r="r" b="b"/>
+            <a:pathLst>
+              <a:path w="4572000" h="18288" fill="none" extrusionOk="0">
+                <a:moveTo>
+                  <a:pt x="0" y="0"/>
+                </a:moveTo>
+                <a:cubicBezTo>
+                  <a:pt x="105156" y="-20963"/>
+                  <a:pt x="340432" y="822"/>
+                  <a:pt x="515983" y="0"/>
+                </a:cubicBezTo>
+                <a:cubicBezTo>
+                  <a:pt x="691534" y="-822"/>
+                  <a:pt x="850679" y="16479"/>
+                  <a:pt x="1031966" y="0"/>
+                </a:cubicBezTo>
+                <a:cubicBezTo>
+                  <a:pt x="1213253" y="-16479"/>
+                  <a:pt x="1443646" y="-18730"/>
+                  <a:pt x="1639389" y="0"/>
+                </a:cubicBezTo>
+                <a:cubicBezTo>
+                  <a:pt x="1835132" y="18730"/>
+                  <a:pt x="2159975" y="18531"/>
+                  <a:pt x="2383971" y="0"/>
+                </a:cubicBezTo>
+                <a:cubicBezTo>
+                  <a:pt x="2607967" y="-18531"/>
+                  <a:pt x="2719096" y="-12030"/>
+                  <a:pt x="2945674" y="0"/>
+                </a:cubicBezTo>
+                <a:cubicBezTo>
+                  <a:pt x="3172252" y="12030"/>
+                  <a:pt x="3269167" y="27666"/>
+                  <a:pt x="3507377" y="0"/>
+                </a:cubicBezTo>
+                <a:cubicBezTo>
+                  <a:pt x="3745587" y="-27666"/>
+                  <a:pt x="4116741" y="18705"/>
+                  <a:pt x="4572000" y="0"/>
+                </a:cubicBezTo>
+                <a:cubicBezTo>
+                  <a:pt x="4572895" y="8974"/>
+                  <a:pt x="4571454" y="9359"/>
+                  <a:pt x="4572000" y="18288"/>
+                </a:cubicBezTo>
+                <a:cubicBezTo>
+                  <a:pt x="4374698" y="3942"/>
+                  <a:pt x="4098874" y="-11042"/>
+                  <a:pt x="3873137" y="18288"/>
+                </a:cubicBezTo>
+                <a:cubicBezTo>
+                  <a:pt x="3647400" y="47618"/>
+                  <a:pt x="3517055" y="5421"/>
+                  <a:pt x="3311434" y="18288"/>
+                </a:cubicBezTo>
+                <a:cubicBezTo>
+                  <a:pt x="3105813" y="31155"/>
+                  <a:pt x="3025168" y="17856"/>
+                  <a:pt x="2749731" y="18288"/>
+                </a:cubicBezTo>
+                <a:cubicBezTo>
+                  <a:pt x="2474294" y="18720"/>
+                  <a:pt x="2291766" y="-14168"/>
+                  <a:pt x="2050869" y="18288"/>
+                </a:cubicBezTo>
+                <a:cubicBezTo>
+                  <a:pt x="1809972" y="50744"/>
+                  <a:pt x="1540276" y="46798"/>
+                  <a:pt x="1306286" y="18288"/>
+                </a:cubicBezTo>
+                <a:cubicBezTo>
+                  <a:pt x="1072296" y="-10222"/>
+                  <a:pt x="972445" y="19645"/>
+                  <a:pt x="790303" y="18288"/>
+                </a:cubicBezTo>
+                <a:cubicBezTo>
+                  <a:pt x="608161" y="16931"/>
+                  <a:pt x="200981" y="8241"/>
+                  <a:pt x="0" y="18288"/>
+                </a:cubicBezTo>
+                <a:cubicBezTo>
+                  <a:pt x="-229" y="14222"/>
+                  <a:pt x="509" y="5816"/>
+                  <a:pt x="0" y="0"/>
+                </a:cubicBezTo>
+                <a:close/>
+              </a:path>
+              <a:path w="4572000" h="18288" stroke="0" extrusionOk="0">
+                <a:moveTo>
+                  <a:pt x="0" y="0"/>
+                </a:moveTo>
+                <a:cubicBezTo>
+                  <a:pt x="143285" y="-9565"/>
+                  <a:pt x="327959" y="-11498"/>
+                  <a:pt x="561703" y="0"/>
+                </a:cubicBezTo>
+                <a:cubicBezTo>
+                  <a:pt x="795447" y="11498"/>
+                  <a:pt x="838260" y="18255"/>
+                  <a:pt x="1077686" y="0"/>
+                </a:cubicBezTo>
+                <a:cubicBezTo>
+                  <a:pt x="1317112" y="-18255"/>
+                  <a:pt x="1437472" y="23514"/>
+                  <a:pt x="1639389" y="0"/>
+                </a:cubicBezTo>
+                <a:cubicBezTo>
+                  <a:pt x="1841306" y="-23514"/>
+                  <a:pt x="2037142" y="-12551"/>
+                  <a:pt x="2292531" y="0"/>
+                </a:cubicBezTo>
+                <a:cubicBezTo>
+                  <a:pt x="2547920" y="12551"/>
+                  <a:pt x="2810436" y="-20352"/>
+                  <a:pt x="2991394" y="0"/>
+                </a:cubicBezTo>
+                <a:cubicBezTo>
+                  <a:pt x="3172352" y="20352"/>
+                  <a:pt x="3530025" y="-13347"/>
+                  <a:pt x="3735977" y="0"/>
+                </a:cubicBezTo>
+                <a:cubicBezTo>
+                  <a:pt x="3941929" y="13347"/>
+                  <a:pt x="4161497" y="34086"/>
+                  <a:pt x="4572000" y="0"/>
+                </a:cubicBezTo>
+                <a:cubicBezTo>
+                  <a:pt x="4571545" y="6162"/>
+                  <a:pt x="4571903" y="11775"/>
+                  <a:pt x="4572000" y="18288"/>
+                </a:cubicBezTo>
+                <a:cubicBezTo>
+                  <a:pt x="4228040" y="36490"/>
+                  <a:pt x="4199736" y="42557"/>
+                  <a:pt x="3873137" y="18288"/>
+                </a:cubicBezTo>
+                <a:cubicBezTo>
+                  <a:pt x="3546538" y="-5981"/>
+                  <a:pt x="3472124" y="16809"/>
+                  <a:pt x="3128554" y="18288"/>
+                </a:cubicBezTo>
+                <a:cubicBezTo>
+                  <a:pt x="2784984" y="19767"/>
+                  <a:pt x="2735896" y="-17781"/>
+                  <a:pt x="2383971" y="18288"/>
+                </a:cubicBezTo>
+                <a:cubicBezTo>
+                  <a:pt x="2032046" y="54357"/>
+                  <a:pt x="2019324" y="2920"/>
+                  <a:pt x="1867989" y="18288"/>
+                </a:cubicBezTo>
+                <a:cubicBezTo>
+                  <a:pt x="1716654" y="33656"/>
+                  <a:pt x="1418675" y="32575"/>
+                  <a:pt x="1169126" y="18288"/>
+                </a:cubicBezTo>
+                <a:cubicBezTo>
+                  <a:pt x="919577" y="4001"/>
+                  <a:pt x="798537" y="16165"/>
+                  <a:pt x="561703" y="18288"/>
+                </a:cubicBezTo>
+                <a:cubicBezTo>
+                  <a:pt x="324869" y="20411"/>
+                  <a:pt x="221395" y="-912"/>
+                  <a:pt x="0" y="18288"/>
+                </a:cubicBezTo>
+                <a:cubicBezTo>
+                  <a:pt x="766" y="10800"/>
+                  <a:pt x="-457" y="8180"/>
+                  <a:pt x="0" y="0"/>
+                </a:cubicBezTo>
+                <a:close/>
+              </a:path>
+            </a:pathLst>
+          </a:custGeom>
+          <a:solidFill>
+            <a:schemeClr val="accent2"/>
+          </a:solidFill>
+          <a:ln w="41275" cap="rnd">
+            <a:solidFill>
+              <a:schemeClr val="accent2"/>
+            </a:solidFill>
+            <a:round/>
+            <a:extLst>
+              <a:ext uri="{C807C97D-BFC1-408E-A445-0C87EB9F89A2}">
+                <ask:lineSketchStyleProps xmlns:ask="http://schemas.microsoft.com/office/drawing/2018/sketchyshapes" sd="2727557108">
+                  <a:prstGeom prst="rect">
+                    <a:avLst/>
+                  </a:prstGeom>
+                  <ask:type>
+                    <ask:lineSketchFreehand/>
+                  </ask:type>
+                </ask:lineSketchStyleProps>
+              </a:ext>
+            </a:extLst>
+          </a:ln>
+        </p:spPr>
+        <p:style>
+          <a:lnRef idx="2">
+            <a:schemeClr val="accent1">
+              <a:shade val="50000"/>
+            </a:schemeClr>
+          </a:lnRef>
+          <a:fillRef idx="1">
+            <a:schemeClr val="accent1"/>
+          </a:fillRef>
+          <a:effectRef idx="0">
+            <a:schemeClr val="accent1"/>
+          </a:effectRef>
+          <a:fontRef idx="minor">
+            <a:schemeClr val="lt1"/>
+          </a:fontRef>
+        </p:style>
+        <p:txBody>
+          <a:bodyPr rtlCol="0" anchor="ctr"/>
+          <a:lstStyle/>
+          <a:p>
+            <a:pPr algn="ctr"/>
+            <a:endParaRPr lang="en-US"/>
           </a:p>
         </p:txBody>
       </p:sp>
@@ -3844,8 +5430,8 @@
         </p:blipFill>
         <p:spPr>
           <a:xfrm>
-            <a:off x="838484" y="2957665"/>
-            <a:ext cx="10515030" cy="3364810"/>
+            <a:off x="490800" y="2633472"/>
+            <a:ext cx="11207352" cy="3586353"/>
           </a:xfrm>
           <a:prstGeom prst="rect">
             <a:avLst/>
@@ -3868,6 +5454,14 @@
 <file path=ppt/slides/slide3.xml><?xml version="1.0" encoding="utf-8"?>
 <p:sld xmlns:a="http://schemas.openxmlformats.org/drawingml/2006/main" xmlns:r="http://schemas.openxmlformats.org/officeDocument/2006/relationships" xmlns:p="http://schemas.openxmlformats.org/presentationml/2006/main">
   <p:cSld>
+    <p:bg>
+      <p:bgPr>
+        <a:solidFill>
+          <a:schemeClr val="bg1"/>
+        </a:solidFill>
+        <a:effectLst/>
+      </p:bgPr>
+    </p:bg>
     <p:spTree>
       <p:nvGrpSpPr>
         <p:cNvPr id="1" name=""/>
@@ -3882,6 +5476,66 @@
           <a:chExt cx="0" cy="0"/>
         </a:xfrm>
       </p:grpSpPr>
+      <p:sp useBgFill="1">
+        <p:nvSpPr>
+          <p:cNvPr id="10" name="Rectangle 9">
+            <a:extLst>
+              <a:ext uri="{FF2B5EF4-FFF2-40B4-BE49-F238E27FC236}">
+                <a16:creationId xmlns:a16="http://schemas.microsoft.com/office/drawing/2014/main" id="{201CC55D-ED54-4C5C-95E6-10947BD1103B}"/>
+              </a:ext>
+              <a:ext uri="{C183D7F6-B498-43B3-948B-1728B52AA6E4}">
+                <adec:decorative xmlns:adec="http://schemas.microsoft.com/office/drawing/2017/decorative" val="1"/>
+              </a:ext>
+            </a:extLst>
+          </p:cNvPr>
+          <p:cNvSpPr>
+            <a:spLocks noGrp="1" noRot="1" noChangeAspect="1" noMove="1" noResize="1" noEditPoints="1" noAdjustHandles="1" noChangeArrowheads="1" noChangeShapeType="1" noTextEdit="1"/>
+          </p:cNvSpPr>
+          <p:nvPr>
+            <p:extLst>
+              <p:ext uri="{386F3935-93C4-4BCD-93E2-E3B085C9AB24}">
+                <p16:designElem xmlns:p16="http://schemas.microsoft.com/office/powerpoint/2015/main" val="1"/>
+              </p:ext>
+            </p:extLst>
+          </p:nvPr>
+        </p:nvSpPr>
+        <p:spPr>
+          <a:xfrm>
+            <a:off x="0" y="0"/>
+            <a:ext cx="12191999" cy="6857365"/>
+          </a:xfrm>
+          <a:prstGeom prst="rect">
+            <a:avLst/>
+          </a:prstGeom>
+          <a:ln>
+            <a:noFill/>
+          </a:ln>
+        </p:spPr>
+        <p:style>
+          <a:lnRef idx="2">
+            <a:schemeClr val="accent1">
+              <a:shade val="50000"/>
+            </a:schemeClr>
+          </a:lnRef>
+          <a:fillRef idx="1">
+            <a:schemeClr val="accent1"/>
+          </a:fillRef>
+          <a:effectRef idx="0">
+            <a:schemeClr val="accent1"/>
+          </a:effectRef>
+          <a:fontRef idx="minor">
+            <a:schemeClr val="lt1"/>
+          </a:fontRef>
+        </p:style>
+        <p:txBody>
+          <a:bodyPr rtlCol="0" anchor="ctr"/>
+          <a:lstStyle/>
+          <a:p>
+            <a:pPr algn="ctr"/>
+            <a:endParaRPr lang="en-US"/>
+          </a:p>
+        </p:txBody>
+      </p:sp>
       <p:sp>
         <p:nvSpPr>
           <p:cNvPr id="2" name="Title 1">
@@ -3898,11 +5552,238 @@
             <p:ph type="title"/>
           </p:nvPr>
         </p:nvSpPr>
-        <p:spPr/>
-        <p:txBody>
-          <a:bodyPr/>
-          <a:lstStyle/>
-          <a:p>
+        <p:spPr>
+          <a:xfrm>
+            <a:off x="589560" y="856180"/>
+            <a:ext cx="4560584" cy="1128068"/>
+          </a:xfrm>
+        </p:spPr>
+        <p:txBody>
+          <a:bodyPr anchor="ctr">
+            <a:normAutofit/>
+          </a:bodyPr>
+          <a:lstStyle/>
+          <a:p>
+            <a:r>
+              <a:rPr lang="en-US" sz="4000"/>
+              <a:t>Resources</a:t>
+            </a:r>
+          </a:p>
+        </p:txBody>
+      </p:sp>
+      <p:grpSp>
+        <p:nvGrpSpPr>
+          <p:cNvPr id="12" name="Group 11">
+            <a:extLst>
+              <a:ext uri="{FF2B5EF4-FFF2-40B4-BE49-F238E27FC236}">
+                <a16:creationId xmlns:a16="http://schemas.microsoft.com/office/drawing/2014/main" id="{1DE889C7-FAD6-4397-98E2-05D503484459}"/>
+              </a:ext>
+              <a:ext uri="{C183D7F6-B498-43B3-948B-1728B52AA6E4}">
+                <adec:decorative xmlns:adec="http://schemas.microsoft.com/office/drawing/2017/decorative" val="1"/>
+              </a:ext>
+            </a:extLst>
+          </p:cNvPr>
+          <p:cNvGrpSpPr>
+            <a:grpSpLocks noGrp="1" noUngrp="1" noRot="1" noChangeAspect="1" noMove="1" noResize="1"/>
+          </p:cNvGrpSpPr>
+          <p:nvPr>
+            <p:extLst>
+              <p:ext uri="{386F3935-93C4-4BCD-93E2-E3B085C9AB24}">
+                <p16:designElem xmlns:p16="http://schemas.microsoft.com/office/powerpoint/2015/main" val="1"/>
+              </p:ext>
+            </p:extLst>
+          </p:nvPr>
+        </p:nvGrpSpPr>
+        <p:grpSpPr>
+          <a:xfrm>
+            <a:off x="0" y="1083484"/>
+            <a:ext cx="355196" cy="673460"/>
+            <a:chOff x="0" y="823811"/>
+            <a:chExt cx="355196" cy="673460"/>
+          </a:xfrm>
+        </p:grpSpPr>
+        <p:sp>
+          <p:nvSpPr>
+            <p:cNvPr id="13" name="Rectangle 12">
+              <a:extLst>
+                <a:ext uri="{FF2B5EF4-FFF2-40B4-BE49-F238E27FC236}">
+                  <a16:creationId xmlns:a16="http://schemas.microsoft.com/office/drawing/2014/main" id="{F399A70F-F8CD-4992-9EF5-6CF15472E73F}"/>
+                </a:ext>
+                <a:ext uri="{C183D7F6-B498-43B3-948B-1728B52AA6E4}">
+                  <adec:decorative xmlns:adec="http://schemas.microsoft.com/office/drawing/2017/decorative" val="1"/>
+                </a:ext>
+              </a:extLst>
+            </p:cNvPr>
+            <p:cNvSpPr/>
+            <p:nvPr>
+              <p:extLst>
+                <p:ext uri="{386F3935-93C4-4BCD-93E2-E3B085C9AB24}">
+                  <p16:designElem xmlns:p16="http://schemas.microsoft.com/office/powerpoint/2015/main" val="1"/>
+                </p:ext>
+              </p:extLst>
+            </p:nvPr>
+          </p:nvSpPr>
+          <p:spPr>
+            <a:xfrm>
+              <a:off x="0" y="823811"/>
+              <a:ext cx="87363" cy="673460"/>
+            </a:xfrm>
+            <a:prstGeom prst="rect">
+              <a:avLst/>
+            </a:prstGeom>
+            <a:solidFill>
+              <a:schemeClr val="accent4"/>
+            </a:solidFill>
+            <a:ln>
+              <a:noFill/>
+            </a:ln>
+          </p:spPr>
+          <p:style>
+            <a:lnRef idx="2">
+              <a:schemeClr val="accent1">
+                <a:shade val="50000"/>
+              </a:schemeClr>
+            </a:lnRef>
+            <a:fillRef idx="1">
+              <a:schemeClr val="accent1"/>
+            </a:fillRef>
+            <a:effectRef idx="0">
+              <a:schemeClr val="accent1"/>
+            </a:effectRef>
+            <a:fontRef idx="minor">
+              <a:schemeClr val="lt1"/>
+            </a:fontRef>
+          </p:style>
+          <p:txBody>
+            <a:bodyPr rtlCol="0" anchor="ctr"/>
+            <a:lstStyle/>
+            <a:p>
+              <a:pPr algn="ctr"/>
+              <a:endParaRPr lang="en-US"/>
+            </a:p>
+          </p:txBody>
+        </p:sp>
+        <p:sp>
+          <p:nvSpPr>
+            <p:cNvPr id="14" name="Rectangle 13">
+              <a:extLst>
+                <a:ext uri="{FF2B5EF4-FFF2-40B4-BE49-F238E27FC236}">
+                  <a16:creationId xmlns:a16="http://schemas.microsoft.com/office/drawing/2014/main" id="{48F4FEDC-6D80-458C-A665-075D9B9500FD}"/>
+                </a:ext>
+                <a:ext uri="{C183D7F6-B498-43B3-948B-1728B52AA6E4}">
+                  <adec:decorative xmlns:adec="http://schemas.microsoft.com/office/drawing/2017/decorative" val="1"/>
+                </a:ext>
+              </a:extLst>
+            </p:cNvPr>
+            <p:cNvSpPr/>
+            <p:nvPr>
+              <p:extLst>
+                <p:ext uri="{386F3935-93C4-4BCD-93E2-E3B085C9AB24}">
+                  <p16:designElem xmlns:p16="http://schemas.microsoft.com/office/powerpoint/2015/main" val="1"/>
+                </p:ext>
+              </p:extLst>
+            </p:nvPr>
+          </p:nvSpPr>
+          <p:spPr>
+            <a:xfrm>
+              <a:off x="159341" y="823811"/>
+              <a:ext cx="195855" cy="673460"/>
+            </a:xfrm>
+            <a:prstGeom prst="rect">
+              <a:avLst/>
+            </a:prstGeom>
+            <a:solidFill>
+              <a:schemeClr val="accent4"/>
+            </a:solidFill>
+            <a:ln>
+              <a:noFill/>
+            </a:ln>
+          </p:spPr>
+          <p:style>
+            <a:lnRef idx="2">
+              <a:schemeClr val="accent1">
+                <a:shade val="50000"/>
+              </a:schemeClr>
+            </a:lnRef>
+            <a:fillRef idx="1">
+              <a:schemeClr val="accent1"/>
+            </a:fillRef>
+            <a:effectRef idx="0">
+              <a:schemeClr val="accent1"/>
+            </a:effectRef>
+            <a:fontRef idx="minor">
+              <a:schemeClr val="lt1"/>
+            </a:fontRef>
+          </p:style>
+          <p:txBody>
+            <a:bodyPr rtlCol="0" anchor="ctr"/>
+            <a:lstStyle/>
+            <a:p>
+              <a:pPr algn="ctr"/>
+              <a:endParaRPr lang="en-US"/>
+            </a:p>
+          </p:txBody>
+        </p:sp>
+      </p:grpSp>
+      <p:sp>
+        <p:nvSpPr>
+          <p:cNvPr id="16" name="Rectangle 15">
+            <a:extLst>
+              <a:ext uri="{FF2B5EF4-FFF2-40B4-BE49-F238E27FC236}">
+                <a16:creationId xmlns:a16="http://schemas.microsoft.com/office/drawing/2014/main" id="{3873B707-463F-40B0-8227-E8CC6C67EB25}"/>
+              </a:ext>
+              <a:ext uri="{C183D7F6-B498-43B3-948B-1728B52AA6E4}">
+                <adec:decorative xmlns:adec="http://schemas.microsoft.com/office/drawing/2017/decorative" val="1"/>
+              </a:ext>
+            </a:extLst>
+          </p:cNvPr>
+          <p:cNvSpPr>
+            <a:spLocks noGrp="1" noRot="1" noChangeAspect="1" noMove="1" noResize="1" noEditPoints="1" noAdjustHandles="1" noChangeArrowheads="1" noChangeShapeType="1" noTextEdit="1"/>
+          </p:cNvSpPr>
+          <p:nvPr>
+            <p:extLst>
+              <p:ext uri="{386F3935-93C4-4BCD-93E2-E3B085C9AB24}">
+                <p16:designElem xmlns:p16="http://schemas.microsoft.com/office/powerpoint/2015/main" val="1"/>
+              </p:ext>
+            </p:extLst>
+          </p:nvPr>
+        </p:nvSpPr>
+        <p:spPr>
+          <a:xfrm flipH="1">
+            <a:off x="665085" y="2090569"/>
+            <a:ext cx="4297680" cy="27432"/>
+          </a:xfrm>
+          <a:prstGeom prst="rect">
+            <a:avLst/>
+          </a:prstGeom>
+          <a:solidFill>
+            <a:schemeClr val="accent4"/>
+          </a:solidFill>
+          <a:ln>
+            <a:noFill/>
+          </a:ln>
+        </p:spPr>
+        <p:style>
+          <a:lnRef idx="2">
+            <a:schemeClr val="accent1">
+              <a:shade val="50000"/>
+            </a:schemeClr>
+          </a:lnRef>
+          <a:fillRef idx="1">
+            <a:schemeClr val="accent1"/>
+          </a:fillRef>
+          <a:effectRef idx="0">
+            <a:schemeClr val="accent1"/>
+          </a:effectRef>
+          <a:fontRef idx="minor">
+            <a:schemeClr val="lt1"/>
+          </a:fontRef>
+        </p:style>
+        <p:txBody>
+          <a:bodyPr rtlCol="0" anchor="ctr"/>
+          <a:lstStyle/>
+          <a:p>
+            <a:pPr algn="ctr"/>
             <a:endParaRPr lang="en-US"/>
           </a:p>
         </p:txBody>
@@ -3923,15 +5804,195 @@
             <p:ph idx="1"/>
           </p:nvPr>
         </p:nvSpPr>
-        <p:spPr/>
-        <p:txBody>
-          <a:bodyPr/>
-          <a:lstStyle/>
-          <a:p>
+        <p:spPr>
+          <a:xfrm>
+            <a:off x="590719" y="2330505"/>
+            <a:ext cx="4559425" cy="3979585"/>
+          </a:xfrm>
+        </p:spPr>
+        <p:txBody>
+          <a:bodyPr anchor="ctr">
+            <a:normAutofit/>
+          </a:bodyPr>
+          <a:lstStyle/>
+          <a:p>
+            <a:pPr marL="0" indent="0">
+              <a:buNone/>
+            </a:pPr>
+            <a:r>
+              <a:rPr lang="en-US" b="1" dirty="0"/>
+              <a:t>wrijugh.github.io/</a:t>
+            </a:r>
+            <a:r>
+              <a:rPr lang="en-US" b="1" dirty="0" err="1"/>
+              <a:t>TechTalks</a:t>
+            </a:r>
+            <a:endParaRPr lang="en-US" b="1" dirty="0"/>
+          </a:p>
+        </p:txBody>
+      </p:sp>
+      <p:sp>
+        <p:nvSpPr>
+          <p:cNvPr id="18" name="Rectangle 17">
+            <a:extLst>
+              <a:ext uri="{FF2B5EF4-FFF2-40B4-BE49-F238E27FC236}">
+                <a16:creationId xmlns:a16="http://schemas.microsoft.com/office/drawing/2014/main" id="{C13237C8-E62C-4F0D-A318-BD6FB6C2D138}"/>
+              </a:ext>
+              <a:ext uri="{C183D7F6-B498-43B3-948B-1728B52AA6E4}">
+                <adec:decorative xmlns:adec="http://schemas.microsoft.com/office/drawing/2017/decorative" val="1"/>
+              </a:ext>
+            </a:extLst>
+          </p:cNvPr>
+          <p:cNvSpPr>
+            <a:spLocks noGrp="1" noRot="1" noChangeAspect="1" noMove="1" noResize="1" noEditPoints="1" noAdjustHandles="1" noChangeArrowheads="1" noChangeShapeType="1" noTextEdit="1"/>
+          </p:cNvSpPr>
+          <p:nvPr>
+            <p:extLst>
+              <p:ext uri="{386F3935-93C4-4BCD-93E2-E3B085C9AB24}">
+                <p16:designElem xmlns:p16="http://schemas.microsoft.com/office/powerpoint/2015/main" val="1"/>
+              </p:ext>
+            </p:extLst>
+          </p:nvPr>
+        </p:nvSpPr>
+        <p:spPr>
+          <a:xfrm flipH="1">
+            <a:off x="10697670" y="0"/>
+            <a:ext cx="1494330" cy="6858000"/>
+          </a:xfrm>
+          <a:prstGeom prst="rect">
+            <a:avLst/>
+          </a:prstGeom>
+          <a:solidFill>
+            <a:schemeClr val="accent4"/>
+          </a:solidFill>
+          <a:ln>
+            <a:noFill/>
+          </a:ln>
+        </p:spPr>
+        <p:style>
+          <a:lnRef idx="2">
+            <a:schemeClr val="accent1">
+              <a:shade val="50000"/>
+            </a:schemeClr>
+          </a:lnRef>
+          <a:fillRef idx="1">
+            <a:schemeClr val="accent1"/>
+          </a:fillRef>
+          <a:effectRef idx="0">
+            <a:schemeClr val="accent1"/>
+          </a:effectRef>
+          <a:fontRef idx="minor">
+            <a:schemeClr val="lt1"/>
+          </a:fontRef>
+        </p:style>
+        <p:txBody>
+          <a:bodyPr rtlCol="0" anchor="ctr"/>
+          <a:lstStyle/>
+          <a:p>
+            <a:pPr algn="ctr"/>
             <a:endParaRPr lang="en-US"/>
           </a:p>
         </p:txBody>
       </p:sp>
+      <p:sp>
+        <p:nvSpPr>
+          <p:cNvPr id="20" name="Rectangle 19">
+            <a:extLst>
+              <a:ext uri="{FF2B5EF4-FFF2-40B4-BE49-F238E27FC236}">
+                <a16:creationId xmlns:a16="http://schemas.microsoft.com/office/drawing/2014/main" id="{19C9EAEA-39D0-4B0E-A0EB-51E7B26740B1}"/>
+              </a:ext>
+              <a:ext uri="{C183D7F6-B498-43B3-948B-1728B52AA6E4}">
+                <adec:decorative xmlns:adec="http://schemas.microsoft.com/office/drawing/2017/decorative" val="1"/>
+              </a:ext>
+            </a:extLst>
+          </p:cNvPr>
+          <p:cNvSpPr>
+            <a:spLocks noGrp="1" noRot="1" noChangeAspect="1" noMove="1" noResize="1" noEditPoints="1" noAdjustHandles="1" noChangeArrowheads="1" noChangeShapeType="1" noTextEdit="1"/>
+          </p:cNvSpPr>
+          <p:nvPr>
+            <p:extLst>
+              <p:ext uri="{386F3935-93C4-4BCD-93E2-E3B085C9AB24}">
+                <p16:designElem xmlns:p16="http://schemas.microsoft.com/office/powerpoint/2015/main" val="1"/>
+              </p:ext>
+            </p:extLst>
+          </p:nvPr>
+        </p:nvSpPr>
+        <p:spPr>
+          <a:xfrm>
+            <a:off x="5685810" y="513853"/>
+            <a:ext cx="6009366" cy="5834577"/>
+          </a:xfrm>
+          <a:prstGeom prst="rect">
+            <a:avLst/>
+          </a:prstGeom>
+          <a:solidFill>
+            <a:schemeClr val="bg1"/>
+          </a:solidFill>
+          <a:ln>
+            <a:noFill/>
+          </a:ln>
+          <a:effectLst>
+            <a:outerShdw blurRad="139700" dist="127000" dir="5400000" algn="t" rotWithShape="0">
+              <a:prstClr val="black">
+                <a:alpha val="15000"/>
+              </a:prstClr>
+            </a:outerShdw>
+          </a:effectLst>
+        </p:spPr>
+        <p:style>
+          <a:lnRef idx="2">
+            <a:schemeClr val="accent1">
+              <a:shade val="50000"/>
+            </a:schemeClr>
+          </a:lnRef>
+          <a:fillRef idx="1">
+            <a:schemeClr val="accent1"/>
+          </a:fillRef>
+          <a:effectRef idx="0">
+            <a:schemeClr val="accent1"/>
+          </a:effectRef>
+          <a:fontRef idx="minor">
+            <a:schemeClr val="lt1"/>
+          </a:fontRef>
+        </p:style>
+        <p:txBody>
+          <a:bodyPr rtlCol="0" anchor="ctr"/>
+          <a:lstStyle/>
+          <a:p>
+            <a:pPr algn="ctr"/>
+            <a:endParaRPr lang="en-US"/>
+          </a:p>
+        </p:txBody>
+      </p:sp>
+      <p:pic>
+        <p:nvPicPr>
+          <p:cNvPr id="5" name="Picture 4">
+            <a:extLst>
+              <a:ext uri="{FF2B5EF4-FFF2-40B4-BE49-F238E27FC236}">
+                <a16:creationId xmlns:a16="http://schemas.microsoft.com/office/drawing/2014/main" id="{75B1DF89-BE53-9DBD-6415-D69DB11EE07B}"/>
+              </a:ext>
+            </a:extLst>
+          </p:cNvPr>
+          <p:cNvPicPr>
+            <a:picLocks noChangeAspect="1"/>
+          </p:cNvPicPr>
+          <p:nvPr/>
+        </p:nvPicPr>
+        <p:blipFill rotWithShape="1">
+          <a:blip r:embed="rId2"/>
+          <a:srcRect t="873" b="2188"/>
+          <a:stretch/>
+        </p:blipFill>
+        <p:spPr>
+          <a:xfrm>
+            <a:off x="5977788" y="799352"/>
+            <a:ext cx="5425410" cy="5259296"/>
+          </a:xfrm>
+          <a:prstGeom prst="rect">
+            <a:avLst/>
+          </a:prstGeom>
+        </p:spPr>
+      </p:pic>
     </p:spTree>
     <p:extLst>
       <p:ext uri="{BB962C8B-B14F-4D97-AF65-F5344CB8AC3E}">

--- a/slides/Containers in Azure - Global Azure 2022.pptx
+++ b/slides/Containers in Azure - Global Azure 2022.pptx
@@ -6,8 +6,10 @@
   </p:sldMasterIdLst>
   <p:sldIdLst>
     <p:sldId id="256" r:id="rId2"/>
-    <p:sldId id="257" r:id="rId3"/>
-    <p:sldId id="258" r:id="rId4"/>
+    <p:sldId id="260" r:id="rId3"/>
+    <p:sldId id="259" r:id="rId4"/>
+    <p:sldId id="257" r:id="rId5"/>
+    <p:sldId id="258" r:id="rId6"/>
   </p:sldIdLst>
   <p:sldSz cx="12192000" cy="6858000"/>
   <p:notesSz cx="6858000" cy="9144000"/>
@@ -127,18 +129,18 @@
   <pc:docChgLst>
     <pc:chgData name="Wriju Ghosh" userId="93330360-ec5c-4afd-b5e4-d283febfe7a2" providerId="ADAL" clId="{B1A1B8A0-DE3F-4A71-9E6F-35017763F461}"/>
     <pc:docChg chg="undo custSel addSld delSld modSld">
-      <pc:chgData name="Wriju Ghosh" userId="93330360-ec5c-4afd-b5e4-d283febfe7a2" providerId="ADAL" clId="{B1A1B8A0-DE3F-4A71-9E6F-35017763F461}" dt="2022-05-02T09:23:44.013" v="111" actId="26606"/>
+      <pc:chgData name="Wriju Ghosh" userId="93330360-ec5c-4afd-b5e4-d283febfe7a2" providerId="ADAL" clId="{B1A1B8A0-DE3F-4A71-9E6F-35017763F461}" dt="2022-05-04T17:47:51.835" v="207" actId="207"/>
       <pc:docMkLst>
         <pc:docMk/>
       </pc:docMkLst>
       <pc:sldChg chg="addSp delSp modSp mod">
-        <pc:chgData name="Wriju Ghosh" userId="93330360-ec5c-4afd-b5e4-d283febfe7a2" providerId="ADAL" clId="{B1A1B8A0-DE3F-4A71-9E6F-35017763F461}" dt="2022-05-02T08:05:15.480" v="88" actId="1076"/>
+        <pc:chgData name="Wriju Ghosh" userId="93330360-ec5c-4afd-b5e4-d283febfe7a2" providerId="ADAL" clId="{B1A1B8A0-DE3F-4A71-9E6F-35017763F461}" dt="2022-05-04T16:05:13.195" v="146" actId="14100"/>
         <pc:sldMkLst>
           <pc:docMk/>
           <pc:sldMk cId="3719759747" sldId="256"/>
         </pc:sldMkLst>
         <pc:spChg chg="mod">
-          <ac:chgData name="Wriju Ghosh" userId="93330360-ec5c-4afd-b5e4-d283febfe7a2" providerId="ADAL" clId="{B1A1B8A0-DE3F-4A71-9E6F-35017763F461}" dt="2022-05-02T08:04:27.832" v="86" actId="26606"/>
+          <ac:chgData name="Wriju Ghosh" userId="93330360-ec5c-4afd-b5e4-d283febfe7a2" providerId="ADAL" clId="{B1A1B8A0-DE3F-4A71-9E6F-35017763F461}" dt="2022-05-04T16:05:13.195" v="146" actId="14100"/>
           <ac:spMkLst>
             <pc:docMk/>
             <pc:sldMk cId="3719759747" sldId="256"/>
@@ -407,6 +409,268 @@
           </ac:spMkLst>
         </pc:spChg>
       </pc:sldChg>
+      <pc:sldChg chg="addSp delSp modSp new mod setBg">
+        <pc:chgData name="Wriju Ghosh" userId="93330360-ec5c-4afd-b5e4-d283febfe7a2" providerId="ADAL" clId="{B1A1B8A0-DE3F-4A71-9E6F-35017763F461}" dt="2022-05-04T16:05:01.165" v="145" actId="26606"/>
+        <pc:sldMkLst>
+          <pc:docMk/>
+          <pc:sldMk cId="3127285825" sldId="259"/>
+        </pc:sldMkLst>
+        <pc:spChg chg="mod">
+          <ac:chgData name="Wriju Ghosh" userId="93330360-ec5c-4afd-b5e4-d283febfe7a2" providerId="ADAL" clId="{B1A1B8A0-DE3F-4A71-9E6F-35017763F461}" dt="2022-05-04T16:05:01.165" v="145" actId="26606"/>
+          <ac:spMkLst>
+            <pc:docMk/>
+            <pc:sldMk cId="3127285825" sldId="259"/>
+            <ac:spMk id="2" creationId="{4E172B0C-5D8D-4C01-2F76-7300ED4D15E5}"/>
+          </ac:spMkLst>
+        </pc:spChg>
+        <pc:spChg chg="add del">
+          <ac:chgData name="Wriju Ghosh" userId="93330360-ec5c-4afd-b5e4-d283febfe7a2" providerId="ADAL" clId="{B1A1B8A0-DE3F-4A71-9E6F-35017763F461}" dt="2022-05-04T16:05:01.165" v="145" actId="26606"/>
+          <ac:spMkLst>
+            <pc:docMk/>
+            <pc:sldMk cId="3127285825" sldId="259"/>
+            <ac:spMk id="3" creationId="{CD57A8C9-70FE-00D2-B21C-1810CA20A421}"/>
+          </ac:spMkLst>
+        </pc:spChg>
+        <pc:spChg chg="add del">
+          <ac:chgData name="Wriju Ghosh" userId="93330360-ec5c-4afd-b5e4-d283febfe7a2" providerId="ADAL" clId="{B1A1B8A0-DE3F-4A71-9E6F-35017763F461}" dt="2022-05-04T16:04:48.344" v="136" actId="26606"/>
+          <ac:spMkLst>
+            <pc:docMk/>
+            <pc:sldMk cId="3127285825" sldId="259"/>
+            <ac:spMk id="10" creationId="{D4771268-CB57-404A-9271-370EB28F6090}"/>
+          </ac:spMkLst>
+        </pc:spChg>
+        <pc:spChg chg="add del">
+          <ac:chgData name="Wriju Ghosh" userId="93330360-ec5c-4afd-b5e4-d283febfe7a2" providerId="ADAL" clId="{B1A1B8A0-DE3F-4A71-9E6F-35017763F461}" dt="2022-05-04T16:04:53.957" v="138" actId="26606"/>
+          <ac:spMkLst>
+            <pc:docMk/>
+            <pc:sldMk cId="3127285825" sldId="259"/>
+            <ac:spMk id="12" creationId="{D12DDE76-C203-4047-9998-63900085B5E8}"/>
+          </ac:spMkLst>
+        </pc:spChg>
+        <pc:spChg chg="add del">
+          <ac:chgData name="Wriju Ghosh" userId="93330360-ec5c-4afd-b5e4-d283febfe7a2" providerId="ADAL" clId="{B1A1B8A0-DE3F-4A71-9E6F-35017763F461}" dt="2022-05-04T16:04:56.188" v="140" actId="26606"/>
+          <ac:spMkLst>
+            <pc:docMk/>
+            <pc:sldMk cId="3127285825" sldId="259"/>
+            <ac:spMk id="14" creationId="{2E94A4F7-38E4-45EA-8E2E-CE1B5766B4F1}"/>
+          </ac:spMkLst>
+        </pc:spChg>
+        <pc:spChg chg="add del">
+          <ac:chgData name="Wriju Ghosh" userId="93330360-ec5c-4afd-b5e4-d283febfe7a2" providerId="ADAL" clId="{B1A1B8A0-DE3F-4A71-9E6F-35017763F461}" dt="2022-05-04T16:04:56.188" v="140" actId="26606"/>
+          <ac:spMkLst>
+            <pc:docMk/>
+            <pc:sldMk cId="3127285825" sldId="259"/>
+            <ac:spMk id="15" creationId="{05C7EBC3-4672-4DAB-81C2-58661FAFAED6}"/>
+          </ac:spMkLst>
+        </pc:spChg>
+        <pc:spChg chg="add del">
+          <ac:chgData name="Wriju Ghosh" userId="93330360-ec5c-4afd-b5e4-d283febfe7a2" providerId="ADAL" clId="{B1A1B8A0-DE3F-4A71-9E6F-35017763F461}" dt="2022-05-04T16:04:56.188" v="140" actId="26606"/>
+          <ac:spMkLst>
+            <pc:docMk/>
+            <pc:sldMk cId="3127285825" sldId="259"/>
+            <ac:spMk id="16" creationId="{40BF962F-4C6F-461E-86F2-C43F56CC939B}"/>
+          </ac:spMkLst>
+        </pc:spChg>
+        <pc:spChg chg="add del">
+          <ac:chgData name="Wriju Ghosh" userId="93330360-ec5c-4afd-b5e4-d283febfe7a2" providerId="ADAL" clId="{B1A1B8A0-DE3F-4A71-9E6F-35017763F461}" dt="2022-05-04T16:04:56.188" v="140" actId="26606"/>
+          <ac:spMkLst>
+            <pc:docMk/>
+            <pc:sldMk cId="3127285825" sldId="259"/>
+            <ac:spMk id="17" creationId="{CD57A8C9-70FE-00D2-B21C-1810CA20A421}"/>
+          </ac:spMkLst>
+        </pc:spChg>
+        <pc:spChg chg="add del">
+          <ac:chgData name="Wriju Ghosh" userId="93330360-ec5c-4afd-b5e4-d283febfe7a2" providerId="ADAL" clId="{B1A1B8A0-DE3F-4A71-9E6F-35017763F461}" dt="2022-05-04T16:04:59.169" v="142" actId="26606"/>
+          <ac:spMkLst>
+            <pc:docMk/>
+            <pc:sldMk cId="3127285825" sldId="259"/>
+            <ac:spMk id="19" creationId="{D12DDE76-C203-4047-9998-63900085B5E8}"/>
+          </ac:spMkLst>
+        </pc:spChg>
+        <pc:spChg chg="add del">
+          <ac:chgData name="Wriju Ghosh" userId="93330360-ec5c-4afd-b5e4-d283febfe7a2" providerId="ADAL" clId="{B1A1B8A0-DE3F-4A71-9E6F-35017763F461}" dt="2022-05-04T16:05:01.157" v="144" actId="26606"/>
+          <ac:spMkLst>
+            <pc:docMk/>
+            <pc:sldMk cId="3127285825" sldId="259"/>
+            <ac:spMk id="21" creationId="{D4771268-CB57-404A-9271-370EB28F6090}"/>
+          </ac:spMkLst>
+        </pc:spChg>
+        <pc:spChg chg="add">
+          <ac:chgData name="Wriju Ghosh" userId="93330360-ec5c-4afd-b5e4-d283febfe7a2" providerId="ADAL" clId="{B1A1B8A0-DE3F-4A71-9E6F-35017763F461}" dt="2022-05-04T16:05:01.165" v="145" actId="26606"/>
+          <ac:spMkLst>
+            <pc:docMk/>
+            <pc:sldMk cId="3127285825" sldId="259"/>
+            <ac:spMk id="23" creationId="{D12DDE76-C203-4047-9998-63900085B5E8}"/>
+          </ac:spMkLst>
+        </pc:spChg>
+        <pc:picChg chg="add mod">
+          <ac:chgData name="Wriju Ghosh" userId="93330360-ec5c-4afd-b5e4-d283febfe7a2" providerId="ADAL" clId="{B1A1B8A0-DE3F-4A71-9E6F-35017763F461}" dt="2022-05-04T16:05:01.165" v="145" actId="26606"/>
+          <ac:picMkLst>
+            <pc:docMk/>
+            <pc:sldMk cId="3127285825" sldId="259"/>
+            <ac:picMk id="5" creationId="{85ECEEC9-4F9E-EBAA-DC4D-8F54948A790A}"/>
+          </ac:picMkLst>
+        </pc:picChg>
+      </pc:sldChg>
+      <pc:sldChg chg="addSp delSp modSp new mod setBg modClrScheme chgLayout">
+        <pc:chgData name="Wriju Ghosh" userId="93330360-ec5c-4afd-b5e4-d283febfe7a2" providerId="ADAL" clId="{B1A1B8A0-DE3F-4A71-9E6F-35017763F461}" dt="2022-05-04T17:47:51.835" v="207" actId="207"/>
+        <pc:sldMkLst>
+          <pc:docMk/>
+          <pc:sldMk cId="3712206499" sldId="260"/>
+        </pc:sldMkLst>
+        <pc:spChg chg="del">
+          <ac:chgData name="Wriju Ghosh" userId="93330360-ec5c-4afd-b5e4-d283febfe7a2" providerId="ADAL" clId="{B1A1B8A0-DE3F-4A71-9E6F-35017763F461}" dt="2022-05-04T16:07:57.220" v="148" actId="700"/>
+          <ac:spMkLst>
+            <pc:docMk/>
+            <pc:sldMk cId="3712206499" sldId="260"/>
+            <ac:spMk id="2" creationId="{001C13EE-1312-4F49-DD4E-8F82FA936A10}"/>
+          </ac:spMkLst>
+        </pc:spChg>
+        <pc:spChg chg="del">
+          <ac:chgData name="Wriju Ghosh" userId="93330360-ec5c-4afd-b5e4-d283febfe7a2" providerId="ADAL" clId="{B1A1B8A0-DE3F-4A71-9E6F-35017763F461}" dt="2022-05-04T16:07:57.220" v="148" actId="700"/>
+          <ac:spMkLst>
+            <pc:docMk/>
+            <pc:sldMk cId="3712206499" sldId="260"/>
+            <ac:spMk id="3" creationId="{9EDE0671-8918-9F26-2659-3AA723ABB06A}"/>
+          </ac:spMkLst>
+        </pc:spChg>
+        <pc:spChg chg="add mod">
+          <ac:chgData name="Wriju Ghosh" userId="93330360-ec5c-4afd-b5e4-d283febfe7a2" providerId="ADAL" clId="{B1A1B8A0-DE3F-4A71-9E6F-35017763F461}" dt="2022-05-04T17:47:51.835" v="207" actId="207"/>
+          <ac:spMkLst>
+            <pc:docMk/>
+            <pc:sldMk cId="3712206499" sldId="260"/>
+            <ac:spMk id="5" creationId="{113BA8EC-003D-0389-612E-C6CF0EF47553}"/>
+          </ac:spMkLst>
+        </pc:spChg>
+        <pc:spChg chg="add">
+          <ac:chgData name="Wriju Ghosh" userId="93330360-ec5c-4afd-b5e4-d283febfe7a2" providerId="ADAL" clId="{B1A1B8A0-DE3F-4A71-9E6F-35017763F461}" dt="2022-05-04T16:09:23.315" v="174" actId="26606"/>
+          <ac:spMkLst>
+            <pc:docMk/>
+            <pc:sldMk cId="3712206499" sldId="260"/>
+            <ac:spMk id="8" creationId="{2CAD20A5-B9BF-4C29-B1C0-882CF36B433A}"/>
+          </ac:spMkLst>
+        </pc:spChg>
+        <pc:spChg chg="add del">
+          <ac:chgData name="Wriju Ghosh" userId="93330360-ec5c-4afd-b5e4-d283febfe7a2" providerId="ADAL" clId="{B1A1B8A0-DE3F-4A71-9E6F-35017763F461}" dt="2022-05-04T16:09:02.144" v="169" actId="26606"/>
+          <ac:spMkLst>
+            <pc:docMk/>
+            <pc:sldMk cId="3712206499" sldId="260"/>
+            <ac:spMk id="10" creationId="{C27D7A02-907B-496F-BA7E-AA3780733CA7}"/>
+          </ac:spMkLst>
+        </pc:spChg>
+        <pc:spChg chg="add del">
+          <ac:chgData name="Wriju Ghosh" userId="93330360-ec5c-4afd-b5e4-d283febfe7a2" providerId="ADAL" clId="{B1A1B8A0-DE3F-4A71-9E6F-35017763F461}" dt="2022-05-04T16:08:27.180" v="155" actId="26606"/>
+          <ac:spMkLst>
+            <pc:docMk/>
+            <pc:sldMk cId="3712206499" sldId="260"/>
+            <ac:spMk id="11" creationId="{17CDB40A-75BB-4498-A20B-59C3984A3A94}"/>
+          </ac:spMkLst>
+        </pc:spChg>
+        <pc:spChg chg="add del">
+          <ac:chgData name="Wriju Ghosh" userId="93330360-ec5c-4afd-b5e4-d283febfe7a2" providerId="ADAL" clId="{B1A1B8A0-DE3F-4A71-9E6F-35017763F461}" dt="2022-05-04T16:09:02.144" v="169" actId="26606"/>
+          <ac:spMkLst>
+            <pc:docMk/>
+            <pc:sldMk cId="3712206499" sldId="260"/>
+            <ac:spMk id="12" creationId="{0FBA5268-0AE7-4CAD-9537-D0EB09E76406}"/>
+          </ac:spMkLst>
+        </pc:spChg>
+        <pc:spChg chg="add">
+          <ac:chgData name="Wriju Ghosh" userId="93330360-ec5c-4afd-b5e4-d283febfe7a2" providerId="ADAL" clId="{B1A1B8A0-DE3F-4A71-9E6F-35017763F461}" dt="2022-05-04T16:09:23.315" v="174" actId="26606"/>
+          <ac:spMkLst>
+            <pc:docMk/>
+            <pc:sldMk cId="3712206499" sldId="260"/>
+            <ac:spMk id="13" creationId="{7283847B-B7B4-4D47-875A-C45ADEF4C2C9}"/>
+          </ac:spMkLst>
+        </pc:spChg>
+        <pc:spChg chg="add del">
+          <ac:chgData name="Wriju Ghosh" userId="93330360-ec5c-4afd-b5e4-d283febfe7a2" providerId="ADAL" clId="{B1A1B8A0-DE3F-4A71-9E6F-35017763F461}" dt="2022-05-04T16:09:02.144" v="169" actId="26606"/>
+          <ac:spMkLst>
+            <pc:docMk/>
+            <pc:sldMk cId="3712206499" sldId="260"/>
+            <ac:spMk id="14" creationId="{088D065B-39DA-4077-B9CF-E489CE4C0169}"/>
+          </ac:spMkLst>
+        </pc:spChg>
+        <pc:spChg chg="add del">
+          <ac:chgData name="Wriju Ghosh" userId="93330360-ec5c-4afd-b5e4-d283febfe7a2" providerId="ADAL" clId="{B1A1B8A0-DE3F-4A71-9E6F-35017763F461}" dt="2022-05-04T16:08:45.678" v="160" actId="26606"/>
+          <ac:spMkLst>
+            <pc:docMk/>
+            <pc:sldMk cId="3712206499" sldId="260"/>
+            <ac:spMk id="19" creationId="{C27D7A02-907B-496F-BA7E-AA3780733CA7}"/>
+          </ac:spMkLst>
+        </pc:spChg>
+        <pc:spChg chg="add del">
+          <ac:chgData name="Wriju Ghosh" userId="93330360-ec5c-4afd-b5e4-d283febfe7a2" providerId="ADAL" clId="{B1A1B8A0-DE3F-4A71-9E6F-35017763F461}" dt="2022-05-04T16:08:59.803" v="166" actId="26606"/>
+          <ac:spMkLst>
+            <pc:docMk/>
+            <pc:sldMk cId="3712206499" sldId="260"/>
+            <ac:spMk id="20" creationId="{2CAD20A5-B9BF-4C29-B1C0-882CF36B433A}"/>
+          </ac:spMkLst>
+        </pc:spChg>
+        <pc:spChg chg="add del">
+          <ac:chgData name="Wriju Ghosh" userId="93330360-ec5c-4afd-b5e4-d283febfe7a2" providerId="ADAL" clId="{B1A1B8A0-DE3F-4A71-9E6F-35017763F461}" dt="2022-05-04T16:08:45.678" v="160" actId="26606"/>
+          <ac:spMkLst>
+            <pc:docMk/>
+            <pc:sldMk cId="3712206499" sldId="260"/>
+            <ac:spMk id="21" creationId="{0FBA5268-0AE7-4CAD-9537-D0EB09E76406}"/>
+          </ac:spMkLst>
+        </pc:spChg>
+        <pc:spChg chg="add del">
+          <ac:chgData name="Wriju Ghosh" userId="93330360-ec5c-4afd-b5e4-d283febfe7a2" providerId="ADAL" clId="{B1A1B8A0-DE3F-4A71-9E6F-35017763F461}" dt="2022-05-04T16:08:59.803" v="166" actId="26606"/>
+          <ac:spMkLst>
+            <pc:docMk/>
+            <pc:sldMk cId="3712206499" sldId="260"/>
+            <ac:spMk id="22" creationId="{7283847B-B7B4-4D47-875A-C45ADEF4C2C9}"/>
+          </ac:spMkLst>
+        </pc:spChg>
+        <pc:spChg chg="add del">
+          <ac:chgData name="Wriju Ghosh" userId="93330360-ec5c-4afd-b5e4-d283febfe7a2" providerId="ADAL" clId="{B1A1B8A0-DE3F-4A71-9E6F-35017763F461}" dt="2022-05-04T16:08:45.678" v="160" actId="26606"/>
+          <ac:spMkLst>
+            <pc:docMk/>
+            <pc:sldMk cId="3712206499" sldId="260"/>
+            <ac:spMk id="23" creationId="{088D065B-39DA-4077-B9CF-E489CE4C0169}"/>
+          </ac:spMkLst>
+        </pc:spChg>
+        <pc:spChg chg="add del">
+          <ac:chgData name="Wriju Ghosh" userId="93330360-ec5c-4afd-b5e4-d283febfe7a2" providerId="ADAL" clId="{B1A1B8A0-DE3F-4A71-9E6F-35017763F461}" dt="2022-05-04T16:08:58.951" v="164" actId="26606"/>
+          <ac:spMkLst>
+            <pc:docMk/>
+            <pc:sldMk cId="3712206499" sldId="260"/>
+            <ac:spMk id="27" creationId="{8DF66CB0-1AD6-4D8C-BE70-897ADA64FEDA}"/>
+          </ac:spMkLst>
+        </pc:spChg>
+        <pc:spChg chg="add del">
+          <ac:chgData name="Wriju Ghosh" userId="93330360-ec5c-4afd-b5e4-d283febfe7a2" providerId="ADAL" clId="{B1A1B8A0-DE3F-4A71-9E6F-35017763F461}" dt="2022-05-04T16:08:58.951" v="164" actId="26606"/>
+          <ac:spMkLst>
+            <pc:docMk/>
+            <pc:sldMk cId="3712206499" sldId="260"/>
+            <ac:spMk id="29" creationId="{24C3B26D-D43F-467B-B943-E20A45E780EF}"/>
+          </ac:spMkLst>
+        </pc:spChg>
+        <pc:picChg chg="add del">
+          <ac:chgData name="Wriju Ghosh" userId="93330360-ec5c-4afd-b5e4-d283febfe7a2" providerId="ADAL" clId="{B1A1B8A0-DE3F-4A71-9E6F-35017763F461}" dt="2022-05-04T16:08:27.180" v="155" actId="26606"/>
+          <ac:picMkLst>
+            <pc:docMk/>
+            <pc:sldMk cId="3712206499" sldId="260"/>
+            <ac:picMk id="7" creationId="{73140961-BEAF-D9F1-1E24-AABE0D01ECE0}"/>
+          </ac:picMkLst>
+        </pc:picChg>
+        <pc:picChg chg="add">
+          <ac:chgData name="Wriju Ghosh" userId="93330360-ec5c-4afd-b5e4-d283febfe7a2" providerId="ADAL" clId="{B1A1B8A0-DE3F-4A71-9E6F-35017763F461}" dt="2022-05-04T16:09:23.315" v="174" actId="26606"/>
+          <ac:picMkLst>
+            <pc:docMk/>
+            <pc:sldMk cId="3712206499" sldId="260"/>
+            <ac:picMk id="9" creationId="{FE7144D8-0BA2-3D9E-7C3A-0CF21823D72F}"/>
+          </ac:picMkLst>
+        </pc:picChg>
+        <pc:picChg chg="add del mod ord">
+          <ac:chgData name="Wriju Ghosh" userId="93330360-ec5c-4afd-b5e4-d283febfe7a2" providerId="ADAL" clId="{B1A1B8A0-DE3F-4A71-9E6F-35017763F461}" dt="2022-05-04T16:08:59.803" v="166" actId="26606"/>
+          <ac:picMkLst>
+            <pc:docMk/>
+            <pc:sldMk cId="3712206499" sldId="260"/>
+            <ac:picMk id="16" creationId="{4074FD63-F9C5-B829-3857-96006EB9976C}"/>
+          </ac:picMkLst>
+        </pc:picChg>
+      </pc:sldChg>
     </pc:docChg>
   </pc:docChgLst>
   <pc:docChgLst>
@@ -622,7 +886,7 @@
           <a:p>
             <a:fld id="{6876981C-7FCE-4425-AE86-EDA88A5B0C52}" type="datetimeFigureOut">
               <a:rPr lang="en-US" smtClean="0"/>
-              <a:t>5/2/2022</a:t>
+              <a:t>5/4/2022</a:t>
             </a:fld>
             <a:endParaRPr lang="en-US"/>
           </a:p>
@@ -820,7 +1084,7 @@
           <a:p>
             <a:fld id="{6876981C-7FCE-4425-AE86-EDA88A5B0C52}" type="datetimeFigureOut">
               <a:rPr lang="en-US" smtClean="0"/>
-              <a:t>5/2/2022</a:t>
+              <a:t>5/4/2022</a:t>
             </a:fld>
             <a:endParaRPr lang="en-US"/>
           </a:p>
@@ -1028,7 +1292,7 @@
           <a:p>
             <a:fld id="{6876981C-7FCE-4425-AE86-EDA88A5B0C52}" type="datetimeFigureOut">
               <a:rPr lang="en-US" smtClean="0"/>
-              <a:t>5/2/2022</a:t>
+              <a:t>5/4/2022</a:t>
             </a:fld>
             <a:endParaRPr lang="en-US"/>
           </a:p>
@@ -1226,7 +1490,7 @@
           <a:p>
             <a:fld id="{6876981C-7FCE-4425-AE86-EDA88A5B0C52}" type="datetimeFigureOut">
               <a:rPr lang="en-US" smtClean="0"/>
-              <a:t>5/2/2022</a:t>
+              <a:t>5/4/2022</a:t>
             </a:fld>
             <a:endParaRPr lang="en-US"/>
           </a:p>
@@ -1501,7 +1765,7 @@
           <a:p>
             <a:fld id="{6876981C-7FCE-4425-AE86-EDA88A5B0C52}" type="datetimeFigureOut">
               <a:rPr lang="en-US" smtClean="0"/>
-              <a:t>5/2/2022</a:t>
+              <a:t>5/4/2022</a:t>
             </a:fld>
             <a:endParaRPr lang="en-US"/>
           </a:p>
@@ -1766,7 +2030,7 @@
           <a:p>
             <a:fld id="{6876981C-7FCE-4425-AE86-EDA88A5B0C52}" type="datetimeFigureOut">
               <a:rPr lang="en-US" smtClean="0"/>
-              <a:t>5/2/2022</a:t>
+              <a:t>5/4/2022</a:t>
             </a:fld>
             <a:endParaRPr lang="en-US"/>
           </a:p>
@@ -2178,7 +2442,7 @@
           <a:p>
             <a:fld id="{6876981C-7FCE-4425-AE86-EDA88A5B0C52}" type="datetimeFigureOut">
               <a:rPr lang="en-US" smtClean="0"/>
-              <a:t>5/2/2022</a:t>
+              <a:t>5/4/2022</a:t>
             </a:fld>
             <a:endParaRPr lang="en-US"/>
           </a:p>
@@ -2319,7 +2583,7 @@
           <a:p>
             <a:fld id="{6876981C-7FCE-4425-AE86-EDA88A5B0C52}" type="datetimeFigureOut">
               <a:rPr lang="en-US" smtClean="0"/>
-              <a:t>5/2/2022</a:t>
+              <a:t>5/4/2022</a:t>
             </a:fld>
             <a:endParaRPr lang="en-US"/>
           </a:p>
@@ -2432,7 +2696,7 @@
           <a:p>
             <a:fld id="{6876981C-7FCE-4425-AE86-EDA88A5B0C52}" type="datetimeFigureOut">
               <a:rPr lang="en-US" smtClean="0"/>
-              <a:t>5/2/2022</a:t>
+              <a:t>5/4/2022</a:t>
             </a:fld>
             <a:endParaRPr lang="en-US"/>
           </a:p>
@@ -2743,7 +3007,7 @@
           <a:p>
             <a:fld id="{6876981C-7FCE-4425-AE86-EDA88A5B0C52}" type="datetimeFigureOut">
               <a:rPr lang="en-US" smtClean="0"/>
-              <a:t>5/2/2022</a:t>
+              <a:t>5/4/2022</a:t>
             </a:fld>
             <a:endParaRPr lang="en-US"/>
           </a:p>
@@ -3031,7 +3295,7 @@
           <a:p>
             <a:fld id="{6876981C-7FCE-4425-AE86-EDA88A5B0C52}" type="datetimeFigureOut">
               <a:rPr lang="en-US" smtClean="0"/>
-              <a:t>5/2/2022</a:t>
+              <a:t>5/4/2022</a:t>
             </a:fld>
             <a:endParaRPr lang="en-US"/>
           </a:p>
@@ -3272,7 +3536,7 @@
           <a:p>
             <a:fld id="{6876981C-7FCE-4425-AE86-EDA88A5B0C52}" type="datetimeFigureOut">
               <a:rPr lang="en-US" smtClean="0"/>
-              <a:t>5/2/2022</a:t>
+              <a:t>5/4/2022</a:t>
             </a:fld>
             <a:endParaRPr lang="en-US"/>
           </a:p>
@@ -3775,8 +4039,8 @@
         </p:nvSpPr>
         <p:spPr>
           <a:xfrm>
-            <a:off x="6194716" y="739978"/>
-            <a:ext cx="5334930" cy="3004145"/>
+            <a:off x="6194716" y="1946787"/>
+            <a:ext cx="5334930" cy="1797336"/>
           </a:xfrm>
         </p:spPr>
         <p:txBody>
@@ -4927,6 +5191,499 @@
 </file>
 
 <file path=ppt/slides/slide2.xml><?xml version="1.0" encoding="utf-8"?>
+<p:sld xmlns:a="http://schemas.openxmlformats.org/drawingml/2006/main" xmlns:r="http://schemas.openxmlformats.org/officeDocument/2006/relationships" xmlns:p="http://schemas.openxmlformats.org/presentationml/2006/main">
+  <p:cSld>
+    <p:bg>
+      <p:bgPr>
+        <a:solidFill>
+          <a:schemeClr val="bg1"/>
+        </a:solidFill>
+        <a:effectLst/>
+      </p:bgPr>
+    </p:bg>
+    <p:spTree>
+      <p:nvGrpSpPr>
+        <p:cNvPr id="1" name=""/>
+        <p:cNvGrpSpPr/>
+        <p:nvPr/>
+      </p:nvGrpSpPr>
+      <p:grpSpPr>
+        <a:xfrm>
+          <a:off x="0" y="0"/>
+          <a:ext cx="0" cy="0"/>
+          <a:chOff x="0" y="0"/>
+          <a:chExt cx="0" cy="0"/>
+        </a:xfrm>
+      </p:grpSpPr>
+      <p:sp useBgFill="1">
+        <p:nvSpPr>
+          <p:cNvPr id="8" name="Rectangle 10">
+            <a:extLst>
+              <a:ext uri="{FF2B5EF4-FFF2-40B4-BE49-F238E27FC236}">
+                <a16:creationId xmlns:a16="http://schemas.microsoft.com/office/drawing/2014/main" id="{2CAD20A5-B9BF-4C29-B1C0-882CF36B433A}"/>
+              </a:ext>
+              <a:ext uri="{C183D7F6-B498-43B3-948B-1728B52AA6E4}">
+                <adec:decorative xmlns:adec="http://schemas.microsoft.com/office/drawing/2017/decorative" val="1"/>
+              </a:ext>
+            </a:extLst>
+          </p:cNvPr>
+          <p:cNvSpPr>
+            <a:spLocks noGrp="1" noRot="1" noChangeAspect="1" noMove="1" noResize="1" noEditPoints="1" noAdjustHandles="1" noChangeArrowheads="1" noChangeShapeType="1" noTextEdit="1"/>
+          </p:cNvSpPr>
+          <p:nvPr>
+            <p:extLst>
+              <p:ext uri="{386F3935-93C4-4BCD-93E2-E3B085C9AB24}">
+                <p16:designElem xmlns:p16="http://schemas.microsoft.com/office/powerpoint/2015/main" val="1"/>
+              </p:ext>
+            </p:extLst>
+          </p:nvPr>
+        </p:nvSpPr>
+        <p:spPr>
+          <a:xfrm>
+            <a:off x="0" y="0"/>
+            <a:ext cx="12192000" cy="6858000"/>
+          </a:xfrm>
+          <a:prstGeom prst="rect">
+            <a:avLst/>
+          </a:prstGeom>
+          <a:ln w="12700" cap="flat" cmpd="sng" algn="ctr">
+            <a:noFill/>
+            <a:prstDash val="solid"/>
+            <a:miter lim="800000"/>
+          </a:ln>
+          <a:effectLst/>
+          <a:extLst>
+            <a:ext uri="{91240B29-F687-4F45-9708-019B960494DF}">
+              <a14:hiddenLine xmlns:a14="http://schemas.microsoft.com/office/drawing/2010/main" w="12700" cap="flat" cmpd="sng" algn="ctr">
+                <a:solidFill>
+                  <a:schemeClr val="accent1">
+                    <a:shade val="50000"/>
+                  </a:schemeClr>
+                </a:solidFill>
+                <a:prstDash val="solid"/>
+                <a:miter lim="800000"/>
+              </a14:hiddenLine>
+            </a:ext>
+          </a:extLst>
+        </p:spPr>
+        <p:style>
+          <a:lnRef idx="2">
+            <a:schemeClr val="accent1">
+              <a:shade val="50000"/>
+            </a:schemeClr>
+          </a:lnRef>
+          <a:fillRef idx="1">
+            <a:schemeClr val="accent1"/>
+          </a:fillRef>
+          <a:effectRef idx="0">
+            <a:schemeClr val="accent1"/>
+          </a:effectRef>
+          <a:fontRef idx="minor">
+            <a:schemeClr val="lt1"/>
+          </a:fontRef>
+        </p:style>
+        <p:txBody>
+          <a:bodyPr rtlCol="0" anchor="ctr"/>
+          <a:lstStyle/>
+          <a:p>
+            <a:pPr algn="ctr"/>
+            <a:endParaRPr lang="en-US"/>
+          </a:p>
+        </p:txBody>
+      </p:sp>
+      <p:pic>
+        <p:nvPicPr>
+          <p:cNvPr id="9" name="Picture 6" descr="A person holding a globe">
+            <a:extLst>
+              <a:ext uri="{FF2B5EF4-FFF2-40B4-BE49-F238E27FC236}">
+                <a16:creationId xmlns:a16="http://schemas.microsoft.com/office/drawing/2014/main" id="{FE7144D8-0BA2-3D9E-7C3A-0CF21823D72F}"/>
+              </a:ext>
+            </a:extLst>
+          </p:cNvPr>
+          <p:cNvPicPr>
+            <a:picLocks noChangeAspect="1"/>
+          </p:cNvPicPr>
+          <p:nvPr/>
+        </p:nvPicPr>
+        <p:blipFill rotWithShape="1">
+          <a:blip r:embed="rId2"/>
+          <a:srcRect l="29548" r="29217"/>
+          <a:stretch/>
+        </p:blipFill>
+        <p:spPr>
+          <a:xfrm>
+            <a:off x="20" y="1"/>
+            <a:ext cx="4752733" cy="6858000"/>
+          </a:xfrm>
+          <a:prstGeom prst="rect">
+            <a:avLst/>
+          </a:prstGeom>
+        </p:spPr>
+      </p:pic>
+      <p:sp>
+        <p:nvSpPr>
+          <p:cNvPr id="13" name="Rectangle 12">
+            <a:extLst>
+              <a:ext uri="{FF2B5EF4-FFF2-40B4-BE49-F238E27FC236}">
+                <a16:creationId xmlns:a16="http://schemas.microsoft.com/office/drawing/2014/main" id="{7283847B-B7B4-4D47-875A-C45ADEF4C2C9}"/>
+              </a:ext>
+              <a:ext uri="{C183D7F6-B498-43B3-948B-1728B52AA6E4}">
+                <adec:decorative xmlns:adec="http://schemas.microsoft.com/office/drawing/2017/decorative" val="1"/>
+              </a:ext>
+            </a:extLst>
+          </p:cNvPr>
+          <p:cNvSpPr>
+            <a:spLocks noGrp="1" noRot="1" noChangeAspect="1" noMove="1" noResize="1" noEditPoints="1" noAdjustHandles="1" noChangeArrowheads="1" noChangeShapeType="1" noTextEdit="1"/>
+          </p:cNvSpPr>
+          <p:nvPr>
+            <p:extLst>
+              <p:ext uri="{386F3935-93C4-4BCD-93E2-E3B085C9AB24}">
+                <p16:designElem xmlns:p16="http://schemas.microsoft.com/office/powerpoint/2015/main" val="1"/>
+              </p:ext>
+            </p:extLst>
+          </p:nvPr>
+        </p:nvSpPr>
+        <p:spPr>
+          <a:xfrm>
+            <a:off x="5448300" y="685800"/>
+            <a:ext cx="6057900" cy="5486400"/>
+          </a:xfrm>
+          <a:prstGeom prst="rect">
+            <a:avLst/>
+          </a:prstGeom>
+          <a:solidFill>
+            <a:schemeClr val="accent2">
+              <a:lumMod val="20000"/>
+              <a:lumOff val="80000"/>
+            </a:schemeClr>
+          </a:solidFill>
+          <a:ln>
+            <a:noFill/>
+          </a:ln>
+        </p:spPr>
+        <p:style>
+          <a:lnRef idx="2">
+            <a:schemeClr val="accent1">
+              <a:shade val="50000"/>
+            </a:schemeClr>
+          </a:lnRef>
+          <a:fillRef idx="1">
+            <a:schemeClr val="accent1"/>
+          </a:fillRef>
+          <a:effectRef idx="0">
+            <a:schemeClr val="accent1"/>
+          </a:effectRef>
+          <a:fontRef idx="minor">
+            <a:schemeClr val="lt1"/>
+          </a:fontRef>
+        </p:style>
+        <p:txBody>
+          <a:bodyPr rtlCol="0" anchor="ctr"/>
+          <a:lstStyle/>
+          <a:p>
+            <a:pPr algn="ctr"/>
+            <a:endParaRPr lang="en-US"/>
+          </a:p>
+        </p:txBody>
+      </p:sp>
+      <p:sp>
+        <p:nvSpPr>
+          <p:cNvPr id="5" name="TextBox 4">
+            <a:extLst>
+              <a:ext uri="{FF2B5EF4-FFF2-40B4-BE49-F238E27FC236}">
+                <a16:creationId xmlns:a16="http://schemas.microsoft.com/office/drawing/2014/main" id="{113BA8EC-003D-0389-612E-C6CF0EF47553}"/>
+              </a:ext>
+            </a:extLst>
+          </p:cNvPr>
+          <p:cNvSpPr txBox="1"/>
+          <p:nvPr/>
+        </p:nvSpPr>
+        <p:spPr>
+          <a:xfrm>
+            <a:off x="5799551" y="1259958"/>
+            <a:ext cx="5536504" cy="3775505"/>
+          </a:xfrm>
+          <a:prstGeom prst="rect">
+            <a:avLst/>
+          </a:prstGeom>
+        </p:spPr>
+        <p:txBody>
+          <a:bodyPr vert="horz" lIns="91440" tIns="45720" rIns="91440" bIns="45720" rtlCol="0" anchor="b">
+            <a:normAutofit fontScale="92500"/>
+          </a:bodyPr>
+          <a:lstStyle/>
+          <a:p>
+            <a:pPr algn="ctr">
+              <a:lnSpc>
+                <a:spcPct val="90000"/>
+              </a:lnSpc>
+              <a:spcBef>
+                <a:spcPct val="0"/>
+              </a:spcBef>
+              <a:spcAft>
+                <a:spcPts val="600"/>
+              </a:spcAft>
+            </a:pPr>
+            <a:r>
+              <a:rPr lang="en-US" sz="4800" dirty="0">
+                <a:latin typeface="+mj-lt"/>
+                <a:ea typeface="+mj-ea"/>
+                <a:cs typeface="+mj-cs"/>
+              </a:rPr>
+              <a:t>'In a world deluged by irrelevant information, </a:t>
+            </a:r>
+          </a:p>
+          <a:p>
+            <a:pPr algn="ctr">
+              <a:lnSpc>
+                <a:spcPct val="90000"/>
+              </a:lnSpc>
+              <a:spcBef>
+                <a:spcPct val="0"/>
+              </a:spcBef>
+              <a:spcAft>
+                <a:spcPts val="600"/>
+              </a:spcAft>
+            </a:pPr>
+            <a:r>
+              <a:rPr lang="en-US" sz="4800" dirty="0">
+                <a:latin typeface="+mj-lt"/>
+                <a:ea typeface="+mj-ea"/>
+                <a:cs typeface="+mj-cs"/>
+              </a:rPr>
+              <a:t>clarity is power’ </a:t>
+            </a:r>
+          </a:p>
+          <a:p>
+            <a:pPr algn="ctr">
+              <a:lnSpc>
+                <a:spcPct val="90000"/>
+              </a:lnSpc>
+              <a:spcBef>
+                <a:spcPct val="0"/>
+              </a:spcBef>
+              <a:spcAft>
+                <a:spcPts val="600"/>
+              </a:spcAft>
+            </a:pPr>
+            <a:endParaRPr lang="en-US" sz="4800" dirty="0">
+              <a:latin typeface="+mj-lt"/>
+              <a:ea typeface="+mj-ea"/>
+              <a:cs typeface="+mj-cs"/>
+            </a:endParaRPr>
+          </a:p>
+          <a:p>
+            <a:pPr algn="ctr">
+              <a:lnSpc>
+                <a:spcPct val="90000"/>
+              </a:lnSpc>
+              <a:spcBef>
+                <a:spcPct val="0"/>
+              </a:spcBef>
+              <a:spcAft>
+                <a:spcPts val="600"/>
+              </a:spcAft>
+            </a:pPr>
+            <a:r>
+              <a:rPr lang="en-US" sz="4800" dirty="0">
+                <a:latin typeface="+mj-lt"/>
+                <a:ea typeface="+mj-ea"/>
+                <a:cs typeface="+mj-cs"/>
+              </a:rPr>
+              <a:t>- Yuval Noah Harari</a:t>
+            </a:r>
+          </a:p>
+        </p:txBody>
+      </p:sp>
+    </p:spTree>
+    <p:extLst>
+      <p:ext uri="{BB962C8B-B14F-4D97-AF65-F5344CB8AC3E}">
+        <p14:creationId xmlns:p14="http://schemas.microsoft.com/office/powerpoint/2010/main" val="3712206499"/>
+      </p:ext>
+    </p:extLst>
+  </p:cSld>
+  <p:clrMapOvr>
+    <a:masterClrMapping/>
+  </p:clrMapOvr>
+</p:sld>
+</file>
+
+<file path=ppt/slides/slide3.xml><?xml version="1.0" encoding="utf-8"?>
+<p:sld xmlns:a="http://schemas.openxmlformats.org/drawingml/2006/main" xmlns:r="http://schemas.openxmlformats.org/officeDocument/2006/relationships" xmlns:p="http://schemas.openxmlformats.org/presentationml/2006/main">
+  <p:cSld>
+    <p:bg>
+      <p:bgPr>
+        <a:solidFill>
+          <a:schemeClr val="bg1"/>
+        </a:solidFill>
+        <a:effectLst/>
+      </p:bgPr>
+    </p:bg>
+    <p:spTree>
+      <p:nvGrpSpPr>
+        <p:cNvPr id="1" name=""/>
+        <p:cNvGrpSpPr/>
+        <p:nvPr/>
+      </p:nvGrpSpPr>
+      <p:grpSpPr>
+        <a:xfrm>
+          <a:off x="0" y="0"/>
+          <a:ext cx="0" cy="0"/>
+          <a:chOff x="0" y="0"/>
+          <a:chExt cx="0" cy="0"/>
+        </a:xfrm>
+      </p:grpSpPr>
+      <p:sp>
+        <p:nvSpPr>
+          <p:cNvPr id="23" name="Flowchart: Document 9">
+            <a:extLst>
+              <a:ext uri="{FF2B5EF4-FFF2-40B4-BE49-F238E27FC236}">
+                <a16:creationId xmlns:a16="http://schemas.microsoft.com/office/drawing/2014/main" id="{D12DDE76-C203-4047-9998-63900085B5E8}"/>
+              </a:ext>
+              <a:ext uri="{C183D7F6-B498-43B3-948B-1728B52AA6E4}">
+                <adec:decorative xmlns:adec="http://schemas.microsoft.com/office/drawing/2017/decorative" val="1"/>
+              </a:ext>
+            </a:extLst>
+          </p:cNvPr>
+          <p:cNvSpPr>
+            <a:spLocks noGrp="1" noRot="1" noChangeAspect="1" noMove="1" noResize="1" noEditPoints="1" noAdjustHandles="1" noChangeArrowheads="1" noChangeShapeType="1" noTextEdit="1"/>
+          </p:cNvSpPr>
+          <p:nvPr>
+            <p:extLst>
+              <p:ext uri="{386F3935-93C4-4BCD-93E2-E3B085C9AB24}">
+                <p16:designElem xmlns:p16="http://schemas.microsoft.com/office/powerpoint/2015/main" val="1"/>
+              </p:ext>
+            </p:extLst>
+          </p:nvPr>
+        </p:nvSpPr>
+        <p:spPr>
+          <a:xfrm>
+            <a:off x="638175" y="0"/>
+            <a:ext cx="3248025" cy="3400426"/>
+          </a:xfrm>
+          <a:prstGeom prst="flowChartDocument">
+            <a:avLst/>
+          </a:prstGeom>
+          <a:solidFill>
+            <a:srgbClr val="39484D"/>
+          </a:solidFill>
+          <a:ln>
+            <a:noFill/>
+          </a:ln>
+        </p:spPr>
+        <p:style>
+          <a:lnRef idx="2">
+            <a:schemeClr val="accent1">
+              <a:shade val="50000"/>
+            </a:schemeClr>
+          </a:lnRef>
+          <a:fillRef idx="1">
+            <a:schemeClr val="accent1"/>
+          </a:fillRef>
+          <a:effectRef idx="0">
+            <a:schemeClr val="accent1"/>
+          </a:effectRef>
+          <a:fontRef idx="minor">
+            <a:schemeClr val="lt1"/>
+          </a:fontRef>
+        </p:style>
+        <p:txBody>
+          <a:bodyPr rtlCol="0" anchor="ctr"/>
+          <a:lstStyle/>
+          <a:p>
+            <a:pPr algn="ctr"/>
+            <a:endParaRPr lang="en-US"/>
+          </a:p>
+        </p:txBody>
+      </p:sp>
+      <p:sp>
+        <p:nvSpPr>
+          <p:cNvPr id="2" name="Title 1">
+            <a:extLst>
+              <a:ext uri="{FF2B5EF4-FFF2-40B4-BE49-F238E27FC236}">
+                <a16:creationId xmlns:a16="http://schemas.microsoft.com/office/drawing/2014/main" id="{4E172B0C-5D8D-4C01-2F76-7300ED4D15E5}"/>
+              </a:ext>
+            </a:extLst>
+          </p:cNvPr>
+          <p:cNvSpPr>
+            <a:spLocks noGrp="1"/>
+          </p:cNvSpPr>
+          <p:nvPr>
+            <p:ph type="title"/>
+          </p:nvPr>
+        </p:nvSpPr>
+        <p:spPr>
+          <a:xfrm>
+            <a:off x="838200" y="171162"/>
+            <a:ext cx="2840182" cy="2371148"/>
+          </a:xfrm>
+        </p:spPr>
+        <p:txBody>
+          <a:bodyPr vert="horz" lIns="91440" tIns="45720" rIns="91440" bIns="45720" rtlCol="0" anchor="ctr">
+            <a:normAutofit/>
+          </a:bodyPr>
+          <a:lstStyle/>
+          <a:p>
+            <a:r>
+              <a:rPr lang="en-US" sz="3200" kern="1200">
+                <a:solidFill>
+                  <a:srgbClr val="FFFFFF"/>
+                </a:solidFill>
+                <a:latin typeface="+mj-lt"/>
+                <a:ea typeface="+mj-ea"/>
+                <a:cs typeface="+mj-cs"/>
+              </a:rPr>
+              <a:t>Architecture</a:t>
+            </a:r>
+          </a:p>
+        </p:txBody>
+      </p:sp>
+      <p:pic>
+        <p:nvPicPr>
+          <p:cNvPr id="5" name="Content Placeholder 4">
+            <a:extLst>
+              <a:ext uri="{FF2B5EF4-FFF2-40B4-BE49-F238E27FC236}">
+                <a16:creationId xmlns:a16="http://schemas.microsoft.com/office/drawing/2014/main" id="{85ECEEC9-4F9E-EBAA-DC4D-8F54948A790A}"/>
+              </a:ext>
+            </a:extLst>
+          </p:cNvPr>
+          <p:cNvPicPr>
+            <a:picLocks noGrp="1" noChangeAspect="1"/>
+          </p:cNvPicPr>
+          <p:nvPr>
+            <p:ph idx="1"/>
+          </p:nvPr>
+        </p:nvPicPr>
+        <p:blipFill>
+          <a:blip r:embed="rId2"/>
+          <a:stretch>
+            <a:fillRect/>
+          </a:stretch>
+        </p:blipFill>
+        <p:spPr>
+          <a:xfrm>
+            <a:off x="4207933" y="720085"/>
+            <a:ext cx="7347537" cy="5418806"/>
+          </a:xfrm>
+          <a:prstGeom prst="rect">
+            <a:avLst/>
+          </a:prstGeom>
+        </p:spPr>
+      </p:pic>
+    </p:spTree>
+    <p:extLst>
+      <p:ext uri="{BB962C8B-B14F-4D97-AF65-F5344CB8AC3E}">
+        <p14:creationId xmlns:p14="http://schemas.microsoft.com/office/powerpoint/2010/main" val="3127285825"/>
+      </p:ext>
+    </p:extLst>
+  </p:cSld>
+  <p:clrMapOvr>
+    <a:masterClrMapping/>
+  </p:clrMapOvr>
+</p:sld>
+</file>
+
+<file path=ppt/slides/slide4.xml><?xml version="1.0" encoding="utf-8"?>
 <p:sld xmlns:a="http://schemas.openxmlformats.org/drawingml/2006/main" xmlns:r="http://schemas.openxmlformats.org/officeDocument/2006/relationships" xmlns:p="http://schemas.openxmlformats.org/presentationml/2006/main">
   <p:cSld>
     <p:bg>
@@ -5451,7 +6208,7 @@
 </p:sld>
 </file>
 
-<file path=ppt/slides/slide3.xml><?xml version="1.0" encoding="utf-8"?>
+<file path=ppt/slides/slide5.xml><?xml version="1.0" encoding="utf-8"?>
 <p:sld xmlns:a="http://schemas.openxmlformats.org/drawingml/2006/main" xmlns:r="http://schemas.openxmlformats.org/officeDocument/2006/relationships" xmlns:p="http://schemas.openxmlformats.org/presentationml/2006/main">
   <p:cSld>
     <p:bg>
